--- a/presentation.pptx
+++ b/presentation.pptx
@@ -3395,6 +3395,7 @@
               <a:rPr lang="en-GB"/>
               <a:t>Thomas Fishwick</a:t>
             </a:r>
+            <a:endParaRPr lang="en-GB" dirty="0"/>
           </a:p>
         </p:txBody>
       </p:sp>

--- a/presentation.pptx
+++ b/presentation.pptx
@@ -4,8 +4,24 @@
   <p:sldMasterIdLst>
     <p:sldMasterId id="2147483648" r:id="rId1"/>
   </p:sldMasterIdLst>
+  <p:notesMasterIdLst>
+    <p:notesMasterId r:id="rId16"/>
+  </p:notesMasterIdLst>
   <p:sldIdLst>
     <p:sldId id="256" r:id="rId2"/>
+    <p:sldId id="257" r:id="rId3"/>
+    <p:sldId id="258" r:id="rId4"/>
+    <p:sldId id="259" r:id="rId5"/>
+    <p:sldId id="260" r:id="rId6"/>
+    <p:sldId id="261" r:id="rId7"/>
+    <p:sldId id="262" r:id="rId8"/>
+    <p:sldId id="263" r:id="rId9"/>
+    <p:sldId id="264" r:id="rId10"/>
+    <p:sldId id="265" r:id="rId11"/>
+    <p:sldId id="266" r:id="rId12"/>
+    <p:sldId id="267" r:id="rId13"/>
+    <p:sldId id="268" r:id="rId14"/>
+    <p:sldId id="269" r:id="rId15"/>
   </p:sldIdLst>
   <p:sldSz cx="12192000" cy="6858000"/>
   <p:notesSz cx="6858000" cy="9144000"/>
@@ -104,7 +120,1697 @@
       </a:defRPr>
     </a:lvl9pPr>
   </p:defaultTextStyle>
+  <p:extLst>
+    <p:ext uri="{EFAFB233-063F-42B5-8137-9DF3F51BA10A}">
+      <p15:sldGuideLst xmlns:p15="http://schemas.microsoft.com/office/powerpoint/2012/main"/>
+    </p:ext>
+  </p:extLst>
 </p:presentation>
+</file>
+
+<file path=ppt/notesMasters/notesMaster1.xml><?xml version="1.0" encoding="utf-8"?>
+<p:notesMaster xmlns:a="http://schemas.openxmlformats.org/drawingml/2006/main" xmlns:r="http://schemas.openxmlformats.org/officeDocument/2006/relationships" xmlns:p="http://schemas.openxmlformats.org/presentationml/2006/main">
+  <p:cSld>
+    <p:bg>
+      <p:bgRef idx="1001">
+        <a:schemeClr val="bg1"/>
+      </p:bgRef>
+    </p:bg>
+    <p:spTree>
+      <p:nvGrpSpPr>
+        <p:cNvPr id="1" name=""/>
+        <p:cNvGrpSpPr/>
+        <p:nvPr/>
+      </p:nvGrpSpPr>
+      <p:grpSpPr>
+        <a:xfrm>
+          <a:off x="0" y="0"/>
+          <a:ext cx="0" cy="0"/>
+          <a:chOff x="0" y="0"/>
+          <a:chExt cx="0" cy="0"/>
+        </a:xfrm>
+      </p:grpSpPr>
+      <p:sp>
+        <p:nvSpPr>
+          <p:cNvPr id="2" name="Header Placeholder 1"/>
+          <p:cNvSpPr>
+            <a:spLocks noGrp="1"/>
+          </p:cNvSpPr>
+          <p:nvPr>
+            <p:ph type="hdr" sz="quarter"/>
+          </p:nvPr>
+        </p:nvSpPr>
+        <p:spPr>
+          <a:xfrm>
+            <a:off x="0" y="0"/>
+            <a:ext cx="2971800" cy="458788"/>
+          </a:xfrm>
+          <a:prstGeom prst="rect">
+            <a:avLst/>
+          </a:prstGeom>
+        </p:spPr>
+        <p:txBody>
+          <a:bodyPr vert="horz" lIns="91440" tIns="45720" rIns="91440" bIns="45720" rtlCol="0"/>
+          <a:lstStyle>
+            <a:lvl1pPr algn="l">
+              <a:defRPr sz="1200"/>
+            </a:lvl1pPr>
+          </a:lstStyle>
+          <a:p>
+            <a:endParaRPr lang="en-GB"/>
+          </a:p>
+        </p:txBody>
+      </p:sp>
+      <p:sp>
+        <p:nvSpPr>
+          <p:cNvPr id="3" name="Date Placeholder 2"/>
+          <p:cNvSpPr>
+            <a:spLocks noGrp="1"/>
+          </p:cNvSpPr>
+          <p:nvPr>
+            <p:ph type="dt" idx="1"/>
+          </p:nvPr>
+        </p:nvSpPr>
+        <p:spPr>
+          <a:xfrm>
+            <a:off x="3884613" y="0"/>
+            <a:ext cx="2971800" cy="458788"/>
+          </a:xfrm>
+          <a:prstGeom prst="rect">
+            <a:avLst/>
+          </a:prstGeom>
+        </p:spPr>
+        <p:txBody>
+          <a:bodyPr vert="horz" lIns="91440" tIns="45720" rIns="91440" bIns="45720" rtlCol="0"/>
+          <a:lstStyle>
+            <a:lvl1pPr algn="r">
+              <a:defRPr sz="1200"/>
+            </a:lvl1pPr>
+          </a:lstStyle>
+          <a:p>
+            <a:fld id="{C05FA28D-DFD6-47A1-925F-423C77A3C5DE}" type="datetimeFigureOut">
+              <a:rPr lang="en-GB" smtClean="0"/>
+              <a:t>12/05/2022</a:t>
+            </a:fld>
+            <a:endParaRPr lang="en-GB"/>
+          </a:p>
+        </p:txBody>
+      </p:sp>
+      <p:sp>
+        <p:nvSpPr>
+          <p:cNvPr id="4" name="Slide Image Placeholder 3"/>
+          <p:cNvSpPr>
+            <a:spLocks noGrp="1" noRot="1" noChangeAspect="1"/>
+          </p:cNvSpPr>
+          <p:nvPr>
+            <p:ph type="sldImg" idx="2"/>
+          </p:nvPr>
+        </p:nvSpPr>
+        <p:spPr>
+          <a:xfrm>
+            <a:off x="685800" y="1143000"/>
+            <a:ext cx="5486400" cy="3086100"/>
+          </a:xfrm>
+          <a:prstGeom prst="rect">
+            <a:avLst/>
+          </a:prstGeom>
+          <a:noFill/>
+          <a:ln w="12700">
+            <a:solidFill>
+              <a:prstClr val="black"/>
+            </a:solidFill>
+          </a:ln>
+        </p:spPr>
+        <p:txBody>
+          <a:bodyPr vert="horz" lIns="91440" tIns="45720" rIns="91440" bIns="45720" rtlCol="0" anchor="ctr"/>
+          <a:lstStyle/>
+          <a:p>
+            <a:endParaRPr lang="en-GB"/>
+          </a:p>
+        </p:txBody>
+      </p:sp>
+      <p:sp>
+        <p:nvSpPr>
+          <p:cNvPr id="5" name="Notes Placeholder 4"/>
+          <p:cNvSpPr>
+            <a:spLocks noGrp="1"/>
+          </p:cNvSpPr>
+          <p:nvPr>
+            <p:ph type="body" sz="quarter" idx="3"/>
+          </p:nvPr>
+        </p:nvSpPr>
+        <p:spPr>
+          <a:xfrm>
+            <a:off x="685800" y="4400550"/>
+            <a:ext cx="5486400" cy="3600450"/>
+          </a:xfrm>
+          <a:prstGeom prst="rect">
+            <a:avLst/>
+          </a:prstGeom>
+        </p:spPr>
+        <p:txBody>
+          <a:bodyPr vert="horz" lIns="91440" tIns="45720" rIns="91440" bIns="45720" rtlCol="0"/>
+          <a:lstStyle/>
+          <a:p>
+            <a:pPr lvl="0"/>
+            <a:r>
+              <a:rPr lang="en-US"/>
+              <a:t>Click to edit Master text styles</a:t>
+            </a:r>
+          </a:p>
+          <a:p>
+            <a:pPr lvl="1"/>
+            <a:r>
+              <a:rPr lang="en-US"/>
+              <a:t>Second level</a:t>
+            </a:r>
+          </a:p>
+          <a:p>
+            <a:pPr lvl="2"/>
+            <a:r>
+              <a:rPr lang="en-US"/>
+              <a:t>Third level</a:t>
+            </a:r>
+          </a:p>
+          <a:p>
+            <a:pPr lvl="3"/>
+            <a:r>
+              <a:rPr lang="en-US"/>
+              <a:t>Fourth level</a:t>
+            </a:r>
+          </a:p>
+          <a:p>
+            <a:pPr lvl="4"/>
+            <a:r>
+              <a:rPr lang="en-US"/>
+              <a:t>Fifth level</a:t>
+            </a:r>
+            <a:endParaRPr lang="en-GB"/>
+          </a:p>
+        </p:txBody>
+      </p:sp>
+      <p:sp>
+        <p:nvSpPr>
+          <p:cNvPr id="6" name="Footer Placeholder 5"/>
+          <p:cNvSpPr>
+            <a:spLocks noGrp="1"/>
+          </p:cNvSpPr>
+          <p:nvPr>
+            <p:ph type="ftr" sz="quarter" idx="4"/>
+          </p:nvPr>
+        </p:nvSpPr>
+        <p:spPr>
+          <a:xfrm>
+            <a:off x="0" y="8685213"/>
+            <a:ext cx="2971800" cy="458787"/>
+          </a:xfrm>
+          <a:prstGeom prst="rect">
+            <a:avLst/>
+          </a:prstGeom>
+        </p:spPr>
+        <p:txBody>
+          <a:bodyPr vert="horz" lIns="91440" tIns="45720" rIns="91440" bIns="45720" rtlCol="0" anchor="b"/>
+          <a:lstStyle>
+            <a:lvl1pPr algn="l">
+              <a:defRPr sz="1200"/>
+            </a:lvl1pPr>
+          </a:lstStyle>
+          <a:p>
+            <a:endParaRPr lang="en-GB"/>
+          </a:p>
+        </p:txBody>
+      </p:sp>
+      <p:sp>
+        <p:nvSpPr>
+          <p:cNvPr id="7" name="Slide Number Placeholder 6"/>
+          <p:cNvSpPr>
+            <a:spLocks noGrp="1"/>
+          </p:cNvSpPr>
+          <p:nvPr>
+            <p:ph type="sldNum" sz="quarter" idx="5"/>
+          </p:nvPr>
+        </p:nvSpPr>
+        <p:spPr>
+          <a:xfrm>
+            <a:off x="3884613" y="8685213"/>
+            <a:ext cx="2971800" cy="458787"/>
+          </a:xfrm>
+          <a:prstGeom prst="rect">
+            <a:avLst/>
+          </a:prstGeom>
+        </p:spPr>
+        <p:txBody>
+          <a:bodyPr vert="horz" lIns="91440" tIns="45720" rIns="91440" bIns="45720" rtlCol="0" anchor="b"/>
+          <a:lstStyle>
+            <a:lvl1pPr algn="r">
+              <a:defRPr sz="1200"/>
+            </a:lvl1pPr>
+          </a:lstStyle>
+          <a:p>
+            <a:fld id="{1354F9DE-C790-4699-8F9A-90EE258FD64A}" type="slidenum">
+              <a:rPr lang="en-GB" smtClean="0"/>
+              <a:t>‹#›</a:t>
+            </a:fld>
+            <a:endParaRPr lang="en-GB"/>
+          </a:p>
+        </p:txBody>
+      </p:sp>
+    </p:spTree>
+    <p:extLst>
+      <p:ext uri="{BB962C8B-B14F-4D97-AF65-F5344CB8AC3E}">
+        <p14:creationId xmlns:p14="http://schemas.microsoft.com/office/powerpoint/2010/main" val="751354886"/>
+      </p:ext>
+    </p:extLst>
+  </p:cSld>
+  <p:clrMap bg1="lt1" tx1="dk1" bg2="lt2" tx2="dk2" accent1="accent1" accent2="accent2" accent3="accent3" accent4="accent4" accent5="accent5" accent6="accent6" hlink="hlink" folHlink="folHlink"/>
+  <p:notesStyle>
+    <a:lvl1pPr marL="0" algn="l" defTabSz="914400" rtl="0" eaLnBrk="1" latinLnBrk="0" hangingPunct="1">
+      <a:defRPr sz="1200" kern="1200">
+        <a:solidFill>
+          <a:schemeClr val="tx1"/>
+        </a:solidFill>
+        <a:latin typeface="+mn-lt"/>
+        <a:ea typeface="+mn-ea"/>
+        <a:cs typeface="+mn-cs"/>
+      </a:defRPr>
+    </a:lvl1pPr>
+    <a:lvl2pPr marL="457200" algn="l" defTabSz="914400" rtl="0" eaLnBrk="1" latinLnBrk="0" hangingPunct="1">
+      <a:defRPr sz="1200" kern="1200">
+        <a:solidFill>
+          <a:schemeClr val="tx1"/>
+        </a:solidFill>
+        <a:latin typeface="+mn-lt"/>
+        <a:ea typeface="+mn-ea"/>
+        <a:cs typeface="+mn-cs"/>
+      </a:defRPr>
+    </a:lvl2pPr>
+    <a:lvl3pPr marL="914400" algn="l" defTabSz="914400" rtl="0" eaLnBrk="1" latinLnBrk="0" hangingPunct="1">
+      <a:defRPr sz="1200" kern="1200">
+        <a:solidFill>
+          <a:schemeClr val="tx1"/>
+        </a:solidFill>
+        <a:latin typeface="+mn-lt"/>
+        <a:ea typeface="+mn-ea"/>
+        <a:cs typeface="+mn-cs"/>
+      </a:defRPr>
+    </a:lvl3pPr>
+    <a:lvl4pPr marL="1371600" algn="l" defTabSz="914400" rtl="0" eaLnBrk="1" latinLnBrk="0" hangingPunct="1">
+      <a:defRPr sz="1200" kern="1200">
+        <a:solidFill>
+          <a:schemeClr val="tx1"/>
+        </a:solidFill>
+        <a:latin typeface="+mn-lt"/>
+        <a:ea typeface="+mn-ea"/>
+        <a:cs typeface="+mn-cs"/>
+      </a:defRPr>
+    </a:lvl4pPr>
+    <a:lvl5pPr marL="1828800" algn="l" defTabSz="914400" rtl="0" eaLnBrk="1" latinLnBrk="0" hangingPunct="1">
+      <a:defRPr sz="1200" kern="1200">
+        <a:solidFill>
+          <a:schemeClr val="tx1"/>
+        </a:solidFill>
+        <a:latin typeface="+mn-lt"/>
+        <a:ea typeface="+mn-ea"/>
+        <a:cs typeface="+mn-cs"/>
+      </a:defRPr>
+    </a:lvl5pPr>
+    <a:lvl6pPr marL="2286000" algn="l" defTabSz="914400" rtl="0" eaLnBrk="1" latinLnBrk="0" hangingPunct="1">
+      <a:defRPr sz="1200" kern="1200">
+        <a:solidFill>
+          <a:schemeClr val="tx1"/>
+        </a:solidFill>
+        <a:latin typeface="+mn-lt"/>
+        <a:ea typeface="+mn-ea"/>
+        <a:cs typeface="+mn-cs"/>
+      </a:defRPr>
+    </a:lvl6pPr>
+    <a:lvl7pPr marL="2743200" algn="l" defTabSz="914400" rtl="0" eaLnBrk="1" latinLnBrk="0" hangingPunct="1">
+      <a:defRPr sz="1200" kern="1200">
+        <a:solidFill>
+          <a:schemeClr val="tx1"/>
+        </a:solidFill>
+        <a:latin typeface="+mn-lt"/>
+        <a:ea typeface="+mn-ea"/>
+        <a:cs typeface="+mn-cs"/>
+      </a:defRPr>
+    </a:lvl7pPr>
+    <a:lvl8pPr marL="3200400" algn="l" defTabSz="914400" rtl="0" eaLnBrk="1" latinLnBrk="0" hangingPunct="1">
+      <a:defRPr sz="1200" kern="1200">
+        <a:solidFill>
+          <a:schemeClr val="tx1"/>
+        </a:solidFill>
+        <a:latin typeface="+mn-lt"/>
+        <a:ea typeface="+mn-ea"/>
+        <a:cs typeface="+mn-cs"/>
+      </a:defRPr>
+    </a:lvl8pPr>
+    <a:lvl9pPr marL="3657600" algn="l" defTabSz="914400" rtl="0" eaLnBrk="1" latinLnBrk="0" hangingPunct="1">
+      <a:defRPr sz="1200" kern="1200">
+        <a:solidFill>
+          <a:schemeClr val="tx1"/>
+        </a:solidFill>
+        <a:latin typeface="+mn-lt"/>
+        <a:ea typeface="+mn-ea"/>
+        <a:cs typeface="+mn-cs"/>
+      </a:defRPr>
+    </a:lvl9pPr>
+  </p:notesStyle>
+</p:notesMaster>
+</file>
+
+<file path=ppt/notesSlides/notesSlide1.xml><?xml version="1.0" encoding="utf-8"?>
+<p:notes xmlns:a="http://schemas.openxmlformats.org/drawingml/2006/main" xmlns:r="http://schemas.openxmlformats.org/officeDocument/2006/relationships" xmlns:p="http://schemas.openxmlformats.org/presentationml/2006/main">
+  <p:cSld>
+    <p:spTree>
+      <p:nvGrpSpPr>
+        <p:cNvPr id="1" name=""/>
+        <p:cNvGrpSpPr/>
+        <p:nvPr/>
+      </p:nvGrpSpPr>
+      <p:grpSpPr>
+        <a:xfrm>
+          <a:off x="0" y="0"/>
+          <a:ext cx="0" cy="0"/>
+          <a:chOff x="0" y="0"/>
+          <a:chExt cx="0" cy="0"/>
+        </a:xfrm>
+      </p:grpSpPr>
+      <p:sp>
+        <p:nvSpPr>
+          <p:cNvPr id="2" name="Slide Image Placeholder 1"/>
+          <p:cNvSpPr>
+            <a:spLocks noGrp="1" noRot="1" noChangeAspect="1"/>
+          </p:cNvSpPr>
+          <p:nvPr>
+            <p:ph type="sldImg"/>
+          </p:nvPr>
+        </p:nvSpPr>
+        <p:spPr/>
+      </p:sp>
+      <p:sp>
+        <p:nvSpPr>
+          <p:cNvPr id="3" name="Notes Placeholder 2"/>
+          <p:cNvSpPr>
+            <a:spLocks noGrp="1"/>
+          </p:cNvSpPr>
+          <p:nvPr>
+            <p:ph type="body" idx="1"/>
+          </p:nvPr>
+        </p:nvSpPr>
+        <p:spPr/>
+        <p:txBody>
+          <a:bodyPr/>
+          <a:lstStyle/>
+          <a:p>
+            <a:endParaRPr lang="en-GB"/>
+          </a:p>
+        </p:txBody>
+      </p:sp>
+      <p:sp>
+        <p:nvSpPr>
+          <p:cNvPr id="4" name="Slide Number Placeholder 3"/>
+          <p:cNvSpPr>
+            <a:spLocks noGrp="1"/>
+          </p:cNvSpPr>
+          <p:nvPr>
+            <p:ph type="sldNum" sz="quarter" idx="5"/>
+          </p:nvPr>
+        </p:nvSpPr>
+        <p:spPr/>
+        <p:txBody>
+          <a:bodyPr/>
+          <a:lstStyle/>
+          <a:p>
+            <a:fld id="{1354F9DE-C790-4699-8F9A-90EE258FD64A}" type="slidenum">
+              <a:rPr lang="en-GB" smtClean="0"/>
+              <a:t>1</a:t>
+            </a:fld>
+            <a:endParaRPr lang="en-GB"/>
+          </a:p>
+        </p:txBody>
+      </p:sp>
+    </p:spTree>
+    <p:extLst>
+      <p:ext uri="{BB962C8B-B14F-4D97-AF65-F5344CB8AC3E}">
+        <p14:creationId xmlns:p14="http://schemas.microsoft.com/office/powerpoint/2010/main" val="2456123379"/>
+      </p:ext>
+    </p:extLst>
+  </p:cSld>
+  <p:clrMapOvr>
+    <a:masterClrMapping/>
+  </p:clrMapOvr>
+</p:notes>
+</file>
+
+<file path=ppt/notesSlides/notesSlide10.xml><?xml version="1.0" encoding="utf-8"?>
+<p:notes xmlns:a="http://schemas.openxmlformats.org/drawingml/2006/main" xmlns:r="http://schemas.openxmlformats.org/officeDocument/2006/relationships" xmlns:p="http://schemas.openxmlformats.org/presentationml/2006/main">
+  <p:cSld>
+    <p:spTree>
+      <p:nvGrpSpPr>
+        <p:cNvPr id="1" name=""/>
+        <p:cNvGrpSpPr/>
+        <p:nvPr/>
+      </p:nvGrpSpPr>
+      <p:grpSpPr>
+        <a:xfrm>
+          <a:off x="0" y="0"/>
+          <a:ext cx="0" cy="0"/>
+          <a:chOff x="0" y="0"/>
+          <a:chExt cx="0" cy="0"/>
+        </a:xfrm>
+      </p:grpSpPr>
+      <p:sp>
+        <p:nvSpPr>
+          <p:cNvPr id="2" name="Slide Image Placeholder 1"/>
+          <p:cNvSpPr>
+            <a:spLocks noGrp="1" noRot="1" noChangeAspect="1"/>
+          </p:cNvSpPr>
+          <p:nvPr>
+            <p:ph type="sldImg"/>
+          </p:nvPr>
+        </p:nvSpPr>
+        <p:spPr/>
+      </p:sp>
+      <p:sp>
+        <p:nvSpPr>
+          <p:cNvPr id="3" name="Notes Placeholder 2"/>
+          <p:cNvSpPr>
+            <a:spLocks noGrp="1"/>
+          </p:cNvSpPr>
+          <p:nvPr>
+            <p:ph type="body" idx="1"/>
+          </p:nvPr>
+        </p:nvSpPr>
+        <p:spPr/>
+        <p:txBody>
+          <a:bodyPr/>
+          <a:lstStyle/>
+          <a:p>
+            <a:r>
+              <a:rPr lang="en-GB" dirty="0"/>
+              <a:t>None of our algorithms did particularly well here. </a:t>
+            </a:r>
+          </a:p>
+        </p:txBody>
+      </p:sp>
+      <p:sp>
+        <p:nvSpPr>
+          <p:cNvPr id="4" name="Slide Number Placeholder 3"/>
+          <p:cNvSpPr>
+            <a:spLocks noGrp="1"/>
+          </p:cNvSpPr>
+          <p:nvPr>
+            <p:ph type="sldNum" sz="quarter" idx="5"/>
+          </p:nvPr>
+        </p:nvSpPr>
+        <p:spPr/>
+        <p:txBody>
+          <a:bodyPr/>
+          <a:lstStyle/>
+          <a:p>
+            <a:fld id="{1354F9DE-C790-4699-8F9A-90EE258FD64A}" type="slidenum">
+              <a:rPr lang="en-GB" smtClean="0"/>
+              <a:t>10</a:t>
+            </a:fld>
+            <a:endParaRPr lang="en-GB"/>
+          </a:p>
+        </p:txBody>
+      </p:sp>
+    </p:spTree>
+    <p:extLst>
+      <p:ext uri="{BB962C8B-B14F-4D97-AF65-F5344CB8AC3E}">
+        <p14:creationId xmlns:p14="http://schemas.microsoft.com/office/powerpoint/2010/main" val="1759117979"/>
+      </p:ext>
+    </p:extLst>
+  </p:cSld>
+  <p:clrMapOvr>
+    <a:masterClrMapping/>
+  </p:clrMapOvr>
+</p:notes>
+</file>
+
+<file path=ppt/notesSlides/notesSlide11.xml><?xml version="1.0" encoding="utf-8"?>
+<p:notes xmlns:a="http://schemas.openxmlformats.org/drawingml/2006/main" xmlns:r="http://schemas.openxmlformats.org/officeDocument/2006/relationships" xmlns:p="http://schemas.openxmlformats.org/presentationml/2006/main">
+  <p:cSld>
+    <p:spTree>
+      <p:nvGrpSpPr>
+        <p:cNvPr id="1" name=""/>
+        <p:cNvGrpSpPr/>
+        <p:nvPr/>
+      </p:nvGrpSpPr>
+      <p:grpSpPr>
+        <a:xfrm>
+          <a:off x="0" y="0"/>
+          <a:ext cx="0" cy="0"/>
+          <a:chOff x="0" y="0"/>
+          <a:chExt cx="0" cy="0"/>
+        </a:xfrm>
+      </p:grpSpPr>
+      <p:sp>
+        <p:nvSpPr>
+          <p:cNvPr id="2" name="Slide Image Placeholder 1"/>
+          <p:cNvSpPr>
+            <a:spLocks noGrp="1" noRot="1" noChangeAspect="1"/>
+          </p:cNvSpPr>
+          <p:nvPr>
+            <p:ph type="sldImg"/>
+          </p:nvPr>
+        </p:nvSpPr>
+        <p:spPr/>
+      </p:sp>
+      <p:sp>
+        <p:nvSpPr>
+          <p:cNvPr id="3" name="Notes Placeholder 2"/>
+          <p:cNvSpPr>
+            <a:spLocks noGrp="1"/>
+          </p:cNvSpPr>
+          <p:nvPr>
+            <p:ph type="body" idx="1"/>
+          </p:nvPr>
+        </p:nvSpPr>
+        <p:spPr/>
+        <p:txBody>
+          <a:bodyPr/>
+          <a:lstStyle/>
+          <a:p>
+            <a:endParaRPr lang="en-GB"/>
+          </a:p>
+        </p:txBody>
+      </p:sp>
+      <p:sp>
+        <p:nvSpPr>
+          <p:cNvPr id="4" name="Slide Number Placeholder 3"/>
+          <p:cNvSpPr>
+            <a:spLocks noGrp="1"/>
+          </p:cNvSpPr>
+          <p:nvPr>
+            <p:ph type="sldNum" sz="quarter" idx="5"/>
+          </p:nvPr>
+        </p:nvSpPr>
+        <p:spPr/>
+        <p:txBody>
+          <a:bodyPr/>
+          <a:lstStyle/>
+          <a:p>
+            <a:fld id="{1354F9DE-C790-4699-8F9A-90EE258FD64A}" type="slidenum">
+              <a:rPr lang="en-GB" smtClean="0"/>
+              <a:t>11</a:t>
+            </a:fld>
+            <a:endParaRPr lang="en-GB"/>
+          </a:p>
+        </p:txBody>
+      </p:sp>
+    </p:spTree>
+    <p:extLst>
+      <p:ext uri="{BB962C8B-B14F-4D97-AF65-F5344CB8AC3E}">
+        <p14:creationId xmlns:p14="http://schemas.microsoft.com/office/powerpoint/2010/main" val="2408550843"/>
+      </p:ext>
+    </p:extLst>
+  </p:cSld>
+  <p:clrMapOvr>
+    <a:masterClrMapping/>
+  </p:clrMapOvr>
+</p:notes>
+</file>
+
+<file path=ppt/notesSlides/notesSlide12.xml><?xml version="1.0" encoding="utf-8"?>
+<p:notes xmlns:a="http://schemas.openxmlformats.org/drawingml/2006/main" xmlns:r="http://schemas.openxmlformats.org/officeDocument/2006/relationships" xmlns:p="http://schemas.openxmlformats.org/presentationml/2006/main">
+  <p:cSld>
+    <p:spTree>
+      <p:nvGrpSpPr>
+        <p:cNvPr id="1" name=""/>
+        <p:cNvGrpSpPr/>
+        <p:nvPr/>
+      </p:nvGrpSpPr>
+      <p:grpSpPr>
+        <a:xfrm>
+          <a:off x="0" y="0"/>
+          <a:ext cx="0" cy="0"/>
+          <a:chOff x="0" y="0"/>
+          <a:chExt cx="0" cy="0"/>
+        </a:xfrm>
+      </p:grpSpPr>
+      <p:sp>
+        <p:nvSpPr>
+          <p:cNvPr id="2" name="Slide Image Placeholder 1"/>
+          <p:cNvSpPr>
+            <a:spLocks noGrp="1" noRot="1" noChangeAspect="1"/>
+          </p:cNvSpPr>
+          <p:nvPr>
+            <p:ph type="sldImg"/>
+          </p:nvPr>
+        </p:nvSpPr>
+        <p:spPr/>
+      </p:sp>
+      <p:sp>
+        <p:nvSpPr>
+          <p:cNvPr id="3" name="Notes Placeholder 2"/>
+          <p:cNvSpPr>
+            <a:spLocks noGrp="1"/>
+          </p:cNvSpPr>
+          <p:nvPr>
+            <p:ph type="body" idx="1"/>
+          </p:nvPr>
+        </p:nvSpPr>
+        <p:spPr/>
+        <p:txBody>
+          <a:bodyPr/>
+          <a:lstStyle/>
+          <a:p>
+            <a:r>
+              <a:rPr lang="en-GB" dirty="0"/>
+              <a:t>Since I did this coursework I implemented a much cleaner and more efficient video capture function which directly saves to MP4 as it goes along (Computer Vision coursework) rather than saving the </a:t>
+            </a:r>
+            <a:r>
+              <a:rPr lang="en-GB" dirty="0" err="1"/>
+              <a:t>Numpy</a:t>
+            </a:r>
+            <a:r>
+              <a:rPr lang="en-GB" dirty="0"/>
+              <a:t> arrays to a list and indexing into them, which is rather inefficient and causes your computer to die for bigger videos</a:t>
+            </a:r>
+          </a:p>
+        </p:txBody>
+      </p:sp>
+      <p:sp>
+        <p:nvSpPr>
+          <p:cNvPr id="4" name="Slide Number Placeholder 3"/>
+          <p:cNvSpPr>
+            <a:spLocks noGrp="1"/>
+          </p:cNvSpPr>
+          <p:nvPr>
+            <p:ph type="sldNum" sz="quarter" idx="5"/>
+          </p:nvPr>
+        </p:nvSpPr>
+        <p:spPr/>
+        <p:txBody>
+          <a:bodyPr/>
+          <a:lstStyle/>
+          <a:p>
+            <a:fld id="{1354F9DE-C790-4699-8F9A-90EE258FD64A}" type="slidenum">
+              <a:rPr lang="en-GB" smtClean="0"/>
+              <a:t>12</a:t>
+            </a:fld>
+            <a:endParaRPr lang="en-GB"/>
+          </a:p>
+        </p:txBody>
+      </p:sp>
+    </p:spTree>
+    <p:extLst>
+      <p:ext uri="{BB962C8B-B14F-4D97-AF65-F5344CB8AC3E}">
+        <p14:creationId xmlns:p14="http://schemas.microsoft.com/office/powerpoint/2010/main" val="3255696348"/>
+      </p:ext>
+    </p:extLst>
+  </p:cSld>
+  <p:clrMapOvr>
+    <a:masterClrMapping/>
+  </p:clrMapOvr>
+</p:notes>
+</file>
+
+<file path=ppt/notesSlides/notesSlide13.xml><?xml version="1.0" encoding="utf-8"?>
+<p:notes xmlns:a="http://schemas.openxmlformats.org/drawingml/2006/main" xmlns:r="http://schemas.openxmlformats.org/officeDocument/2006/relationships" xmlns:p="http://schemas.openxmlformats.org/presentationml/2006/main">
+  <p:cSld>
+    <p:spTree>
+      <p:nvGrpSpPr>
+        <p:cNvPr id="1" name=""/>
+        <p:cNvGrpSpPr/>
+        <p:nvPr/>
+      </p:nvGrpSpPr>
+      <p:grpSpPr>
+        <a:xfrm>
+          <a:off x="0" y="0"/>
+          <a:ext cx="0" cy="0"/>
+          <a:chOff x="0" y="0"/>
+          <a:chExt cx="0" cy="0"/>
+        </a:xfrm>
+      </p:grpSpPr>
+      <p:sp>
+        <p:nvSpPr>
+          <p:cNvPr id="2" name="Slide Image Placeholder 1"/>
+          <p:cNvSpPr>
+            <a:spLocks noGrp="1" noRot="1" noChangeAspect="1"/>
+          </p:cNvSpPr>
+          <p:nvPr>
+            <p:ph type="sldImg"/>
+          </p:nvPr>
+        </p:nvSpPr>
+        <p:spPr/>
+      </p:sp>
+      <p:sp>
+        <p:nvSpPr>
+          <p:cNvPr id="3" name="Notes Placeholder 2"/>
+          <p:cNvSpPr>
+            <a:spLocks noGrp="1"/>
+          </p:cNvSpPr>
+          <p:nvPr>
+            <p:ph type="body" idx="1"/>
+          </p:nvPr>
+        </p:nvSpPr>
+        <p:spPr/>
+        <p:txBody>
+          <a:bodyPr/>
+          <a:lstStyle/>
+          <a:p>
+            <a:endParaRPr lang="en-GB"/>
+          </a:p>
+        </p:txBody>
+      </p:sp>
+      <p:sp>
+        <p:nvSpPr>
+          <p:cNvPr id="4" name="Slide Number Placeholder 3"/>
+          <p:cNvSpPr>
+            <a:spLocks noGrp="1"/>
+          </p:cNvSpPr>
+          <p:nvPr>
+            <p:ph type="sldNum" sz="quarter" idx="5"/>
+          </p:nvPr>
+        </p:nvSpPr>
+        <p:spPr/>
+        <p:txBody>
+          <a:bodyPr/>
+          <a:lstStyle/>
+          <a:p>
+            <a:fld id="{1354F9DE-C790-4699-8F9A-90EE258FD64A}" type="slidenum">
+              <a:rPr lang="en-GB" smtClean="0"/>
+              <a:t>13</a:t>
+            </a:fld>
+            <a:endParaRPr lang="en-GB"/>
+          </a:p>
+        </p:txBody>
+      </p:sp>
+    </p:spTree>
+    <p:extLst>
+      <p:ext uri="{BB962C8B-B14F-4D97-AF65-F5344CB8AC3E}">
+        <p14:creationId xmlns:p14="http://schemas.microsoft.com/office/powerpoint/2010/main" val="2809173724"/>
+      </p:ext>
+    </p:extLst>
+  </p:cSld>
+  <p:clrMapOvr>
+    <a:masterClrMapping/>
+  </p:clrMapOvr>
+</p:notes>
+</file>
+
+<file path=ppt/notesSlides/notesSlide14.xml><?xml version="1.0" encoding="utf-8"?>
+<p:notes xmlns:a="http://schemas.openxmlformats.org/drawingml/2006/main" xmlns:r="http://schemas.openxmlformats.org/officeDocument/2006/relationships" xmlns:p="http://schemas.openxmlformats.org/presentationml/2006/main">
+  <p:cSld>
+    <p:spTree>
+      <p:nvGrpSpPr>
+        <p:cNvPr id="1" name=""/>
+        <p:cNvGrpSpPr/>
+        <p:nvPr/>
+      </p:nvGrpSpPr>
+      <p:grpSpPr>
+        <a:xfrm>
+          <a:off x="0" y="0"/>
+          <a:ext cx="0" cy="0"/>
+          <a:chOff x="0" y="0"/>
+          <a:chExt cx="0" cy="0"/>
+        </a:xfrm>
+      </p:grpSpPr>
+      <p:sp>
+        <p:nvSpPr>
+          <p:cNvPr id="2" name="Slide Image Placeholder 1"/>
+          <p:cNvSpPr>
+            <a:spLocks noGrp="1" noRot="1" noChangeAspect="1"/>
+          </p:cNvSpPr>
+          <p:nvPr>
+            <p:ph type="sldImg"/>
+          </p:nvPr>
+        </p:nvSpPr>
+        <p:spPr/>
+      </p:sp>
+      <p:sp>
+        <p:nvSpPr>
+          <p:cNvPr id="3" name="Notes Placeholder 2"/>
+          <p:cNvSpPr>
+            <a:spLocks noGrp="1"/>
+          </p:cNvSpPr>
+          <p:nvPr>
+            <p:ph type="body" idx="1"/>
+          </p:nvPr>
+        </p:nvSpPr>
+        <p:spPr/>
+        <p:txBody>
+          <a:bodyPr/>
+          <a:lstStyle/>
+          <a:p>
+            <a:pPr marL="0" marR="0" lvl="0" indent="0" algn="l" defTabSz="914400" rtl="0" eaLnBrk="1" fontAlgn="auto" latinLnBrk="0" hangingPunct="1">
+              <a:lnSpc>
+                <a:spcPct val="100000"/>
+              </a:lnSpc>
+              <a:spcBef>
+                <a:spcPts val="0"/>
+              </a:spcBef>
+              <a:spcAft>
+                <a:spcPts val="0"/>
+              </a:spcAft>
+              <a:buClrTx/>
+              <a:buSzTx/>
+              <a:buFontTx/>
+              <a:buNone/>
+              <a:tabLst/>
+              <a:defRPr/>
+            </a:pPr>
+            <a:r>
+              <a:rPr lang="en-GB" dirty="0"/>
+              <a:t>We fill up our memory at each episode using our Neural Networks to select actions – something that was probably a good idea to do for the DQN models</a:t>
+            </a:r>
+          </a:p>
+          <a:p>
+            <a:pPr marL="0" marR="0" lvl="0" indent="0" algn="l" defTabSz="914400" rtl="0" eaLnBrk="1" fontAlgn="auto" latinLnBrk="0" hangingPunct="1">
+              <a:lnSpc>
+                <a:spcPct val="100000"/>
+              </a:lnSpc>
+              <a:spcBef>
+                <a:spcPts val="0"/>
+              </a:spcBef>
+              <a:spcAft>
+                <a:spcPts val="0"/>
+              </a:spcAft>
+              <a:buClrTx/>
+              <a:buSzTx/>
+              <a:buFontTx/>
+              <a:buNone/>
+              <a:tabLst/>
+              <a:defRPr/>
+            </a:pPr>
+            <a:endParaRPr lang="en-GB" dirty="0"/>
+          </a:p>
+          <a:p>
+            <a:pPr marL="0" marR="0" lvl="0" indent="0" algn="l" defTabSz="914400" rtl="0" eaLnBrk="1" fontAlgn="auto" latinLnBrk="0" hangingPunct="1">
+              <a:lnSpc>
+                <a:spcPct val="100000"/>
+              </a:lnSpc>
+              <a:spcBef>
+                <a:spcPts val="0"/>
+              </a:spcBef>
+              <a:spcAft>
+                <a:spcPts val="0"/>
+              </a:spcAft>
+              <a:buClrTx/>
+              <a:buSzTx/>
+              <a:buFontTx/>
+              <a:buNone/>
+              <a:tabLst/>
+              <a:defRPr/>
+            </a:pPr>
+            <a:r>
+              <a:rPr lang="en-GB" dirty="0"/>
+              <a:t>We ran out of time here so only ran the model through ten rounds of training. Our environment was roughly the one the DQN network used, but with the rewards from the Basic Task</a:t>
+            </a:r>
+          </a:p>
+        </p:txBody>
+      </p:sp>
+      <p:sp>
+        <p:nvSpPr>
+          <p:cNvPr id="4" name="Slide Number Placeholder 3"/>
+          <p:cNvSpPr>
+            <a:spLocks noGrp="1"/>
+          </p:cNvSpPr>
+          <p:nvPr>
+            <p:ph type="sldNum" sz="quarter" idx="5"/>
+          </p:nvPr>
+        </p:nvSpPr>
+        <p:spPr/>
+        <p:txBody>
+          <a:bodyPr/>
+          <a:lstStyle/>
+          <a:p>
+            <a:fld id="{1354F9DE-C790-4699-8F9A-90EE258FD64A}" type="slidenum">
+              <a:rPr lang="en-GB" smtClean="0"/>
+              <a:t>14</a:t>
+            </a:fld>
+            <a:endParaRPr lang="en-GB"/>
+          </a:p>
+        </p:txBody>
+      </p:sp>
+    </p:spTree>
+    <p:extLst>
+      <p:ext uri="{BB962C8B-B14F-4D97-AF65-F5344CB8AC3E}">
+        <p14:creationId xmlns:p14="http://schemas.microsoft.com/office/powerpoint/2010/main" val="3010057487"/>
+      </p:ext>
+    </p:extLst>
+  </p:cSld>
+  <p:clrMapOvr>
+    <a:masterClrMapping/>
+  </p:clrMapOvr>
+</p:notes>
+</file>
+
+<file path=ppt/notesSlides/notesSlide2.xml><?xml version="1.0" encoding="utf-8"?>
+<p:notes xmlns:a="http://schemas.openxmlformats.org/drawingml/2006/main" xmlns:r="http://schemas.openxmlformats.org/officeDocument/2006/relationships" xmlns:p="http://schemas.openxmlformats.org/presentationml/2006/main">
+  <p:cSld>
+    <p:spTree>
+      <p:nvGrpSpPr>
+        <p:cNvPr id="1" name=""/>
+        <p:cNvGrpSpPr/>
+        <p:nvPr/>
+      </p:nvGrpSpPr>
+      <p:grpSpPr>
+        <a:xfrm>
+          <a:off x="0" y="0"/>
+          <a:ext cx="0" cy="0"/>
+          <a:chOff x="0" y="0"/>
+          <a:chExt cx="0" cy="0"/>
+        </a:xfrm>
+      </p:grpSpPr>
+      <p:sp>
+        <p:nvSpPr>
+          <p:cNvPr id="2" name="Slide Image Placeholder 1"/>
+          <p:cNvSpPr>
+            <a:spLocks noGrp="1" noRot="1" noChangeAspect="1"/>
+          </p:cNvSpPr>
+          <p:nvPr>
+            <p:ph type="sldImg"/>
+          </p:nvPr>
+        </p:nvSpPr>
+        <p:spPr/>
+      </p:sp>
+      <p:sp>
+        <p:nvSpPr>
+          <p:cNvPr id="3" name="Notes Placeholder 2"/>
+          <p:cNvSpPr>
+            <a:spLocks noGrp="1"/>
+          </p:cNvSpPr>
+          <p:nvPr>
+            <p:ph type="body" idx="1"/>
+          </p:nvPr>
+        </p:nvSpPr>
+        <p:spPr/>
+        <p:txBody>
+          <a:bodyPr/>
+          <a:lstStyle/>
+          <a:p>
+            <a:r>
+              <a:rPr lang="en-GB" dirty="0"/>
+              <a:t>The primary goal is the reactor control panel in the bottom middle. The secondary goal is the escape route top left. The purple walls are impassable and the doors (blue) are purely decorative. Our agent teleports into a random free location on the map.</a:t>
+            </a:r>
+          </a:p>
+          <a:p>
+            <a:endParaRPr lang="en-GB" dirty="0"/>
+          </a:p>
+          <a:p>
+            <a:r>
+              <a:rPr lang="en-GB" dirty="0"/>
+              <a:t>Our environment is a </a:t>
+            </a:r>
+            <a:r>
+              <a:rPr lang="en-GB" dirty="0" err="1"/>
+              <a:t>Numpy</a:t>
+            </a:r>
+            <a:r>
+              <a:rPr lang="en-GB" dirty="0"/>
+              <a:t> array in the basic map function in the map module</a:t>
+            </a:r>
+          </a:p>
+          <a:p>
+            <a:endParaRPr lang="en-GB" dirty="0"/>
+          </a:p>
+          <a:p>
+            <a:r>
+              <a:rPr lang="en-GB" dirty="0"/>
+              <a:t>For the random start it takes the list of potential states, then runs a while loop until it randomly chooses one which has a value of 0 indicating free space. We could have made this more efficient by filtering down to the free locations first</a:t>
+            </a:r>
+          </a:p>
+        </p:txBody>
+      </p:sp>
+      <p:sp>
+        <p:nvSpPr>
+          <p:cNvPr id="4" name="Slide Number Placeholder 3"/>
+          <p:cNvSpPr>
+            <a:spLocks noGrp="1"/>
+          </p:cNvSpPr>
+          <p:nvPr>
+            <p:ph type="sldNum" sz="quarter" idx="5"/>
+          </p:nvPr>
+        </p:nvSpPr>
+        <p:spPr/>
+        <p:txBody>
+          <a:bodyPr/>
+          <a:lstStyle/>
+          <a:p>
+            <a:fld id="{1354F9DE-C790-4699-8F9A-90EE258FD64A}" type="slidenum">
+              <a:rPr lang="en-GB" smtClean="0"/>
+              <a:t>2</a:t>
+            </a:fld>
+            <a:endParaRPr lang="en-GB"/>
+          </a:p>
+        </p:txBody>
+      </p:sp>
+    </p:spTree>
+    <p:extLst>
+      <p:ext uri="{BB962C8B-B14F-4D97-AF65-F5344CB8AC3E}">
+        <p14:creationId xmlns:p14="http://schemas.microsoft.com/office/powerpoint/2010/main" val="171873851"/>
+      </p:ext>
+    </p:extLst>
+  </p:cSld>
+  <p:clrMapOvr>
+    <a:masterClrMapping/>
+  </p:clrMapOvr>
+</p:notes>
+</file>
+
+<file path=ppt/notesSlides/notesSlide3.xml><?xml version="1.0" encoding="utf-8"?>
+<p:notes xmlns:a="http://schemas.openxmlformats.org/drawingml/2006/main" xmlns:r="http://schemas.openxmlformats.org/officeDocument/2006/relationships" xmlns:p="http://schemas.openxmlformats.org/presentationml/2006/main">
+  <p:cSld>
+    <p:spTree>
+      <p:nvGrpSpPr>
+        <p:cNvPr id="1" name=""/>
+        <p:cNvGrpSpPr/>
+        <p:nvPr/>
+      </p:nvGrpSpPr>
+      <p:grpSpPr>
+        <a:xfrm>
+          <a:off x="0" y="0"/>
+          <a:ext cx="0" cy="0"/>
+          <a:chOff x="0" y="0"/>
+          <a:chExt cx="0" cy="0"/>
+        </a:xfrm>
+      </p:grpSpPr>
+      <p:sp>
+        <p:nvSpPr>
+          <p:cNvPr id="2" name="Slide Image Placeholder 1"/>
+          <p:cNvSpPr>
+            <a:spLocks noGrp="1" noRot="1" noChangeAspect="1"/>
+          </p:cNvSpPr>
+          <p:nvPr>
+            <p:ph type="sldImg"/>
+          </p:nvPr>
+        </p:nvSpPr>
+        <p:spPr/>
+      </p:sp>
+      <p:sp>
+        <p:nvSpPr>
+          <p:cNvPr id="3" name="Notes Placeholder 2"/>
+          <p:cNvSpPr>
+            <a:spLocks noGrp="1"/>
+          </p:cNvSpPr>
+          <p:nvPr>
+            <p:ph type="body" idx="1"/>
+          </p:nvPr>
+        </p:nvSpPr>
+        <p:spPr/>
+        <p:txBody>
+          <a:bodyPr/>
+          <a:lstStyle/>
+          <a:p>
+            <a:r>
+              <a:rPr lang="en-GB" dirty="0"/>
+              <a:t>Our trap will also take off 10 points of health each time our agent hits it. Once it gets to less than or equal to 0 the episode ends. Same if the agent collects the escape route.</a:t>
+            </a:r>
+          </a:p>
+          <a:p>
+            <a:endParaRPr lang="en-GB" dirty="0"/>
+          </a:p>
+          <a:p>
+            <a:r>
+              <a:rPr lang="en-GB" dirty="0"/>
+              <a:t>Our Q matrix is first made, as it is just an empty array. The R matrix loops through the array of states working out their X and Y values, then checking the cells around it to work out whether there is a legal action to move there and what the reward would be (if it was a legal action).</a:t>
+            </a:r>
+          </a:p>
+          <a:p>
+            <a:endParaRPr lang="en-GB" dirty="0"/>
+          </a:p>
+          <a:p>
+            <a:r>
+              <a:rPr lang="en-GB" dirty="0"/>
+              <a:t>The reward dictionary is then used to determine legal moves for the agent.</a:t>
+            </a:r>
+          </a:p>
+        </p:txBody>
+      </p:sp>
+      <p:sp>
+        <p:nvSpPr>
+          <p:cNvPr id="4" name="Slide Number Placeholder 3"/>
+          <p:cNvSpPr>
+            <a:spLocks noGrp="1"/>
+          </p:cNvSpPr>
+          <p:nvPr>
+            <p:ph type="sldNum" sz="quarter" idx="5"/>
+          </p:nvPr>
+        </p:nvSpPr>
+        <p:spPr/>
+        <p:txBody>
+          <a:bodyPr/>
+          <a:lstStyle/>
+          <a:p>
+            <a:fld id="{1354F9DE-C790-4699-8F9A-90EE258FD64A}" type="slidenum">
+              <a:rPr lang="en-GB" smtClean="0"/>
+              <a:t>3</a:t>
+            </a:fld>
+            <a:endParaRPr lang="en-GB"/>
+          </a:p>
+        </p:txBody>
+      </p:sp>
+    </p:spTree>
+    <p:extLst>
+      <p:ext uri="{BB962C8B-B14F-4D97-AF65-F5344CB8AC3E}">
+        <p14:creationId xmlns:p14="http://schemas.microsoft.com/office/powerpoint/2010/main" val="863061601"/>
+      </p:ext>
+    </p:extLst>
+  </p:cSld>
+  <p:clrMapOvr>
+    <a:masterClrMapping/>
+  </p:clrMapOvr>
+</p:notes>
+</file>
+
+<file path=ppt/notesSlides/notesSlide4.xml><?xml version="1.0" encoding="utf-8"?>
+<p:notes xmlns:a="http://schemas.openxmlformats.org/drawingml/2006/main" xmlns:r="http://schemas.openxmlformats.org/officeDocument/2006/relationships" xmlns:p="http://schemas.openxmlformats.org/presentationml/2006/main">
+  <p:cSld>
+    <p:spTree>
+      <p:nvGrpSpPr>
+        <p:cNvPr id="1" name=""/>
+        <p:cNvGrpSpPr/>
+        <p:nvPr/>
+      </p:nvGrpSpPr>
+      <p:grpSpPr>
+        <a:xfrm>
+          <a:off x="0" y="0"/>
+          <a:ext cx="0" cy="0"/>
+          <a:chOff x="0" y="0"/>
+          <a:chExt cx="0" cy="0"/>
+        </a:xfrm>
+      </p:grpSpPr>
+      <p:sp>
+        <p:nvSpPr>
+          <p:cNvPr id="2" name="Slide Image Placeholder 1"/>
+          <p:cNvSpPr>
+            <a:spLocks noGrp="1" noRot="1" noChangeAspect="1"/>
+          </p:cNvSpPr>
+          <p:nvPr>
+            <p:ph type="sldImg"/>
+          </p:nvPr>
+        </p:nvSpPr>
+        <p:spPr/>
+      </p:sp>
+      <p:sp>
+        <p:nvSpPr>
+          <p:cNvPr id="3" name="Notes Placeholder 2"/>
+          <p:cNvSpPr>
+            <a:spLocks noGrp="1"/>
+          </p:cNvSpPr>
+          <p:nvPr>
+            <p:ph type="body" idx="1"/>
+          </p:nvPr>
+        </p:nvSpPr>
+        <p:spPr/>
+        <p:txBody>
+          <a:bodyPr/>
+          <a:lstStyle/>
+          <a:p>
+            <a:r>
+              <a:rPr lang="en-GB" dirty="0"/>
+              <a:t>We had to make sure that the different CPUs used different random seeds for working out whether to explore or exploit, otherwise they return identical values (we should have done the same thing for the random start as well)</a:t>
+            </a:r>
+          </a:p>
+        </p:txBody>
+      </p:sp>
+      <p:sp>
+        <p:nvSpPr>
+          <p:cNvPr id="4" name="Slide Number Placeholder 3"/>
+          <p:cNvSpPr>
+            <a:spLocks noGrp="1"/>
+          </p:cNvSpPr>
+          <p:nvPr>
+            <p:ph type="sldNum" sz="quarter" idx="5"/>
+          </p:nvPr>
+        </p:nvSpPr>
+        <p:spPr/>
+        <p:txBody>
+          <a:bodyPr/>
+          <a:lstStyle/>
+          <a:p>
+            <a:fld id="{1354F9DE-C790-4699-8F9A-90EE258FD64A}" type="slidenum">
+              <a:rPr lang="en-GB" smtClean="0"/>
+              <a:t>4</a:t>
+            </a:fld>
+            <a:endParaRPr lang="en-GB"/>
+          </a:p>
+        </p:txBody>
+      </p:sp>
+    </p:spTree>
+    <p:extLst>
+      <p:ext uri="{BB962C8B-B14F-4D97-AF65-F5344CB8AC3E}">
+        <p14:creationId xmlns:p14="http://schemas.microsoft.com/office/powerpoint/2010/main" val="2803858125"/>
+      </p:ext>
+    </p:extLst>
+  </p:cSld>
+  <p:clrMapOvr>
+    <a:masterClrMapping/>
+  </p:clrMapOvr>
+</p:notes>
+</file>
+
+<file path=ppt/notesSlides/notesSlide5.xml><?xml version="1.0" encoding="utf-8"?>
+<p:notes xmlns:a="http://schemas.openxmlformats.org/drawingml/2006/main" xmlns:r="http://schemas.openxmlformats.org/officeDocument/2006/relationships" xmlns:p="http://schemas.openxmlformats.org/presentationml/2006/main">
+  <p:cSld>
+    <p:spTree>
+      <p:nvGrpSpPr>
+        <p:cNvPr id="1" name=""/>
+        <p:cNvGrpSpPr/>
+        <p:nvPr/>
+      </p:nvGrpSpPr>
+      <p:grpSpPr>
+        <a:xfrm>
+          <a:off x="0" y="0"/>
+          <a:ext cx="0" cy="0"/>
+          <a:chOff x="0" y="0"/>
+          <a:chExt cx="0" cy="0"/>
+        </a:xfrm>
+      </p:grpSpPr>
+      <p:sp>
+        <p:nvSpPr>
+          <p:cNvPr id="2" name="Slide Image Placeholder 1"/>
+          <p:cNvSpPr>
+            <a:spLocks noGrp="1" noRot="1" noChangeAspect="1"/>
+          </p:cNvSpPr>
+          <p:nvPr>
+            <p:ph type="sldImg"/>
+          </p:nvPr>
+        </p:nvSpPr>
+        <p:spPr/>
+      </p:sp>
+      <p:sp>
+        <p:nvSpPr>
+          <p:cNvPr id="3" name="Notes Placeholder 2"/>
+          <p:cNvSpPr>
+            <a:spLocks noGrp="1"/>
+          </p:cNvSpPr>
+          <p:nvPr>
+            <p:ph type="body" idx="1"/>
+          </p:nvPr>
+        </p:nvSpPr>
+        <p:spPr/>
+        <p:txBody>
+          <a:bodyPr/>
+          <a:lstStyle/>
+          <a:p>
+            <a:endParaRPr lang="en-GB"/>
+          </a:p>
+        </p:txBody>
+      </p:sp>
+      <p:sp>
+        <p:nvSpPr>
+          <p:cNvPr id="4" name="Slide Number Placeholder 3"/>
+          <p:cNvSpPr>
+            <a:spLocks noGrp="1"/>
+          </p:cNvSpPr>
+          <p:nvPr>
+            <p:ph type="sldNum" sz="quarter" idx="5"/>
+          </p:nvPr>
+        </p:nvSpPr>
+        <p:spPr/>
+        <p:txBody>
+          <a:bodyPr/>
+          <a:lstStyle/>
+          <a:p>
+            <a:fld id="{1354F9DE-C790-4699-8F9A-90EE258FD64A}" type="slidenum">
+              <a:rPr lang="en-GB" smtClean="0"/>
+              <a:t>5</a:t>
+            </a:fld>
+            <a:endParaRPr lang="en-GB"/>
+          </a:p>
+        </p:txBody>
+      </p:sp>
+    </p:spTree>
+    <p:extLst>
+      <p:ext uri="{BB962C8B-B14F-4D97-AF65-F5344CB8AC3E}">
+        <p14:creationId xmlns:p14="http://schemas.microsoft.com/office/powerpoint/2010/main" val="2937893276"/>
+      </p:ext>
+    </p:extLst>
+  </p:cSld>
+  <p:clrMapOvr>
+    <a:masterClrMapping/>
+  </p:clrMapOvr>
+</p:notes>
+</file>
+
+<file path=ppt/notesSlides/notesSlide6.xml><?xml version="1.0" encoding="utf-8"?>
+<p:notes xmlns:a="http://schemas.openxmlformats.org/drawingml/2006/main" xmlns:r="http://schemas.openxmlformats.org/officeDocument/2006/relationships" xmlns:p="http://schemas.openxmlformats.org/presentationml/2006/main">
+  <p:cSld>
+    <p:spTree>
+      <p:nvGrpSpPr>
+        <p:cNvPr id="1" name=""/>
+        <p:cNvGrpSpPr/>
+        <p:nvPr/>
+      </p:nvGrpSpPr>
+      <p:grpSpPr>
+        <a:xfrm>
+          <a:off x="0" y="0"/>
+          <a:ext cx="0" cy="0"/>
+          <a:chOff x="0" y="0"/>
+          <a:chExt cx="0" cy="0"/>
+        </a:xfrm>
+      </p:grpSpPr>
+      <p:sp>
+        <p:nvSpPr>
+          <p:cNvPr id="2" name="Slide Image Placeholder 1"/>
+          <p:cNvSpPr>
+            <a:spLocks noGrp="1" noRot="1" noChangeAspect="1"/>
+          </p:cNvSpPr>
+          <p:nvPr>
+            <p:ph type="sldImg"/>
+          </p:nvPr>
+        </p:nvSpPr>
+        <p:spPr/>
+      </p:sp>
+      <p:sp>
+        <p:nvSpPr>
+          <p:cNvPr id="3" name="Notes Placeholder 2"/>
+          <p:cNvSpPr>
+            <a:spLocks noGrp="1"/>
+          </p:cNvSpPr>
+          <p:nvPr>
+            <p:ph type="body" idx="1"/>
+          </p:nvPr>
+        </p:nvSpPr>
+        <p:spPr/>
+        <p:txBody>
+          <a:bodyPr/>
+          <a:lstStyle/>
+          <a:p>
+            <a:r>
+              <a:rPr lang="en-GB" dirty="0"/>
+              <a:t>We saved our </a:t>
+            </a:r>
+            <a:r>
+              <a:rPr lang="en-GB" dirty="0" err="1"/>
+              <a:t>dataframes</a:t>
+            </a:r>
+            <a:r>
+              <a:rPr lang="en-GB" dirty="0"/>
+              <a:t> to CSV files so that the code wouldn’t need to be rerun to generate the graphs again</a:t>
+            </a:r>
+          </a:p>
+        </p:txBody>
+      </p:sp>
+      <p:sp>
+        <p:nvSpPr>
+          <p:cNvPr id="4" name="Slide Number Placeholder 3"/>
+          <p:cNvSpPr>
+            <a:spLocks noGrp="1"/>
+          </p:cNvSpPr>
+          <p:nvPr>
+            <p:ph type="sldNum" sz="quarter" idx="5"/>
+          </p:nvPr>
+        </p:nvSpPr>
+        <p:spPr/>
+        <p:txBody>
+          <a:bodyPr/>
+          <a:lstStyle/>
+          <a:p>
+            <a:fld id="{1354F9DE-C790-4699-8F9A-90EE258FD64A}" type="slidenum">
+              <a:rPr lang="en-GB" smtClean="0"/>
+              <a:t>6</a:t>
+            </a:fld>
+            <a:endParaRPr lang="en-GB"/>
+          </a:p>
+        </p:txBody>
+      </p:sp>
+    </p:spTree>
+    <p:extLst>
+      <p:ext uri="{BB962C8B-B14F-4D97-AF65-F5344CB8AC3E}">
+        <p14:creationId xmlns:p14="http://schemas.microsoft.com/office/powerpoint/2010/main" val="2447126227"/>
+      </p:ext>
+    </p:extLst>
+  </p:cSld>
+  <p:clrMapOvr>
+    <a:masterClrMapping/>
+  </p:clrMapOvr>
+</p:notes>
+</file>
+
+<file path=ppt/notesSlides/notesSlide7.xml><?xml version="1.0" encoding="utf-8"?>
+<p:notes xmlns:a="http://schemas.openxmlformats.org/drawingml/2006/main" xmlns:r="http://schemas.openxmlformats.org/officeDocument/2006/relationships" xmlns:p="http://schemas.openxmlformats.org/presentationml/2006/main">
+  <p:cSld>
+    <p:spTree>
+      <p:nvGrpSpPr>
+        <p:cNvPr id="1" name=""/>
+        <p:cNvGrpSpPr/>
+        <p:nvPr/>
+      </p:nvGrpSpPr>
+      <p:grpSpPr>
+        <a:xfrm>
+          <a:off x="0" y="0"/>
+          <a:ext cx="0" cy="0"/>
+          <a:chOff x="0" y="0"/>
+          <a:chExt cx="0" cy="0"/>
+        </a:xfrm>
+      </p:grpSpPr>
+      <p:sp>
+        <p:nvSpPr>
+          <p:cNvPr id="2" name="Slide Image Placeholder 1"/>
+          <p:cNvSpPr>
+            <a:spLocks noGrp="1" noRot="1" noChangeAspect="1"/>
+          </p:cNvSpPr>
+          <p:nvPr>
+            <p:ph type="sldImg"/>
+          </p:nvPr>
+        </p:nvSpPr>
+        <p:spPr/>
+      </p:sp>
+      <p:sp>
+        <p:nvSpPr>
+          <p:cNvPr id="3" name="Notes Placeholder 2"/>
+          <p:cNvSpPr>
+            <a:spLocks noGrp="1"/>
+          </p:cNvSpPr>
+          <p:nvPr>
+            <p:ph type="body" idx="1"/>
+          </p:nvPr>
+        </p:nvSpPr>
+        <p:spPr/>
+        <p:txBody>
+          <a:bodyPr/>
+          <a:lstStyle/>
+          <a:p>
+            <a:r>
+              <a:rPr lang="en-GB" dirty="0"/>
+              <a:t>From the reward data and health we could roughly work out what the algorithm had done. Unfortunately we never collected video data of what the basic algorithm was doing</a:t>
+            </a:r>
+          </a:p>
+        </p:txBody>
+      </p:sp>
+      <p:sp>
+        <p:nvSpPr>
+          <p:cNvPr id="4" name="Slide Number Placeholder 3"/>
+          <p:cNvSpPr>
+            <a:spLocks noGrp="1"/>
+          </p:cNvSpPr>
+          <p:nvPr>
+            <p:ph type="sldNum" sz="quarter" idx="5"/>
+          </p:nvPr>
+        </p:nvSpPr>
+        <p:spPr/>
+        <p:txBody>
+          <a:bodyPr/>
+          <a:lstStyle/>
+          <a:p>
+            <a:fld id="{1354F9DE-C790-4699-8F9A-90EE258FD64A}" type="slidenum">
+              <a:rPr lang="en-GB" smtClean="0"/>
+              <a:t>7</a:t>
+            </a:fld>
+            <a:endParaRPr lang="en-GB"/>
+          </a:p>
+        </p:txBody>
+      </p:sp>
+    </p:spTree>
+    <p:extLst>
+      <p:ext uri="{BB962C8B-B14F-4D97-AF65-F5344CB8AC3E}">
+        <p14:creationId xmlns:p14="http://schemas.microsoft.com/office/powerpoint/2010/main" val="2697855180"/>
+      </p:ext>
+    </p:extLst>
+  </p:cSld>
+  <p:clrMapOvr>
+    <a:masterClrMapping/>
+  </p:clrMapOvr>
+</p:notes>
+</file>
+
+<file path=ppt/notesSlides/notesSlide8.xml><?xml version="1.0" encoding="utf-8"?>
+<p:notes xmlns:a="http://schemas.openxmlformats.org/drawingml/2006/main" xmlns:r="http://schemas.openxmlformats.org/officeDocument/2006/relationships" xmlns:p="http://schemas.openxmlformats.org/presentationml/2006/main">
+  <p:cSld>
+    <p:spTree>
+      <p:nvGrpSpPr>
+        <p:cNvPr id="1" name=""/>
+        <p:cNvGrpSpPr/>
+        <p:nvPr/>
+      </p:nvGrpSpPr>
+      <p:grpSpPr>
+        <a:xfrm>
+          <a:off x="0" y="0"/>
+          <a:ext cx="0" cy="0"/>
+          <a:chOff x="0" y="0"/>
+          <a:chExt cx="0" cy="0"/>
+        </a:xfrm>
+      </p:grpSpPr>
+      <p:sp>
+        <p:nvSpPr>
+          <p:cNvPr id="2" name="Slide Image Placeholder 1"/>
+          <p:cNvSpPr>
+            <a:spLocks noGrp="1" noRot="1" noChangeAspect="1"/>
+          </p:cNvSpPr>
+          <p:nvPr>
+            <p:ph type="sldImg"/>
+          </p:nvPr>
+        </p:nvSpPr>
+        <p:spPr/>
+      </p:sp>
+      <p:sp>
+        <p:nvSpPr>
+          <p:cNvPr id="3" name="Notes Placeholder 2"/>
+          <p:cNvSpPr>
+            <a:spLocks noGrp="1"/>
+          </p:cNvSpPr>
+          <p:nvPr>
+            <p:ph type="body" idx="1"/>
+          </p:nvPr>
+        </p:nvSpPr>
+        <p:spPr/>
+        <p:txBody>
+          <a:bodyPr/>
+          <a:lstStyle/>
+          <a:p>
+            <a:r>
+              <a:rPr lang="en-GB" dirty="0"/>
+              <a:t>Our advanced map was much larger, featured something akin to ray-tracing for vision, with doors blocking sight. Moving enemies, and a compass to point to the objective</a:t>
+            </a:r>
+          </a:p>
+          <a:p>
+            <a:endParaRPr lang="en-GB" dirty="0"/>
+          </a:p>
+          <a:p>
+            <a:r>
+              <a:rPr lang="en-GB" dirty="0"/>
+              <a:t>dequeue  - like a list but once it hits capacity the first item is dropped to let the next one in</a:t>
+            </a:r>
+          </a:p>
+        </p:txBody>
+      </p:sp>
+      <p:sp>
+        <p:nvSpPr>
+          <p:cNvPr id="4" name="Slide Number Placeholder 3"/>
+          <p:cNvSpPr>
+            <a:spLocks noGrp="1"/>
+          </p:cNvSpPr>
+          <p:nvPr>
+            <p:ph type="sldNum" sz="quarter" idx="5"/>
+          </p:nvPr>
+        </p:nvSpPr>
+        <p:spPr/>
+        <p:txBody>
+          <a:bodyPr/>
+          <a:lstStyle/>
+          <a:p>
+            <a:fld id="{1354F9DE-C790-4699-8F9A-90EE258FD64A}" type="slidenum">
+              <a:rPr lang="en-GB" smtClean="0"/>
+              <a:t>8</a:t>
+            </a:fld>
+            <a:endParaRPr lang="en-GB"/>
+          </a:p>
+        </p:txBody>
+      </p:sp>
+    </p:spTree>
+    <p:extLst>
+      <p:ext uri="{BB962C8B-B14F-4D97-AF65-F5344CB8AC3E}">
+        <p14:creationId xmlns:p14="http://schemas.microsoft.com/office/powerpoint/2010/main" val="1904827224"/>
+      </p:ext>
+    </p:extLst>
+  </p:cSld>
+  <p:clrMapOvr>
+    <a:masterClrMapping/>
+  </p:clrMapOvr>
+</p:notes>
+</file>
+
+<file path=ppt/notesSlides/notesSlide9.xml><?xml version="1.0" encoding="utf-8"?>
+<p:notes xmlns:a="http://schemas.openxmlformats.org/drawingml/2006/main" xmlns:r="http://schemas.openxmlformats.org/officeDocument/2006/relationships" xmlns:p="http://schemas.openxmlformats.org/presentationml/2006/main">
+  <p:cSld>
+    <p:spTree>
+      <p:nvGrpSpPr>
+        <p:cNvPr id="1" name=""/>
+        <p:cNvGrpSpPr/>
+        <p:nvPr/>
+      </p:nvGrpSpPr>
+      <p:grpSpPr>
+        <a:xfrm>
+          <a:off x="0" y="0"/>
+          <a:ext cx="0" cy="0"/>
+          <a:chOff x="0" y="0"/>
+          <a:chExt cx="0" cy="0"/>
+        </a:xfrm>
+      </p:grpSpPr>
+      <p:sp>
+        <p:nvSpPr>
+          <p:cNvPr id="2" name="Slide Image Placeholder 1"/>
+          <p:cNvSpPr>
+            <a:spLocks noGrp="1" noRot="1" noChangeAspect="1"/>
+          </p:cNvSpPr>
+          <p:nvPr>
+            <p:ph type="sldImg"/>
+          </p:nvPr>
+        </p:nvSpPr>
+        <p:spPr/>
+      </p:sp>
+      <p:sp>
+        <p:nvSpPr>
+          <p:cNvPr id="3" name="Notes Placeholder 2"/>
+          <p:cNvSpPr>
+            <a:spLocks noGrp="1"/>
+          </p:cNvSpPr>
+          <p:nvPr>
+            <p:ph type="body" idx="1"/>
+          </p:nvPr>
+        </p:nvSpPr>
+        <p:spPr/>
+        <p:txBody>
+          <a:bodyPr/>
+          <a:lstStyle/>
+          <a:p>
+            <a:r>
+              <a:rPr lang="en-GB" dirty="0"/>
+              <a:t>We could then run Prioritised Replay with the Double Q as well</a:t>
+            </a:r>
+          </a:p>
+        </p:txBody>
+      </p:sp>
+      <p:sp>
+        <p:nvSpPr>
+          <p:cNvPr id="4" name="Slide Number Placeholder 3"/>
+          <p:cNvSpPr>
+            <a:spLocks noGrp="1"/>
+          </p:cNvSpPr>
+          <p:nvPr>
+            <p:ph type="sldNum" sz="quarter" idx="5"/>
+          </p:nvPr>
+        </p:nvSpPr>
+        <p:spPr/>
+        <p:txBody>
+          <a:bodyPr/>
+          <a:lstStyle/>
+          <a:p>
+            <a:fld id="{1354F9DE-C790-4699-8F9A-90EE258FD64A}" type="slidenum">
+              <a:rPr lang="en-GB" smtClean="0"/>
+              <a:t>9</a:t>
+            </a:fld>
+            <a:endParaRPr lang="en-GB"/>
+          </a:p>
+        </p:txBody>
+      </p:sp>
+    </p:spTree>
+    <p:extLst>
+      <p:ext uri="{BB962C8B-B14F-4D97-AF65-F5344CB8AC3E}">
+        <p14:creationId xmlns:p14="http://schemas.microsoft.com/office/powerpoint/2010/main" val="1516760193"/>
+      </p:ext>
+    </p:extLst>
+  </p:cSld>
+  <p:clrMapOvr>
+    <a:masterClrMapping/>
+  </p:clrMapOvr>
+</p:notes>
 </file>
 
 <file path=ppt/slideLayouts/slideLayout1.xml><?xml version="1.0" encoding="utf-8"?>
@@ -256,7 +1962,7 @@
           <a:p>
             <a:fld id="{14C3C1EA-FC6E-46AC-8386-85E45AD60A19}" type="datetimeFigureOut">
               <a:rPr lang="en-GB" smtClean="0"/>
-              <a:t>19/02/2022</a:t>
+              <a:t>12/05/2022</a:t>
             </a:fld>
             <a:endParaRPr lang="en-GB"/>
           </a:p>
@@ -456,7 +2162,7 @@
           <a:p>
             <a:fld id="{14C3C1EA-FC6E-46AC-8386-85E45AD60A19}" type="datetimeFigureOut">
               <a:rPr lang="en-GB" smtClean="0"/>
-              <a:t>19/02/2022</a:t>
+              <a:t>12/05/2022</a:t>
             </a:fld>
             <a:endParaRPr lang="en-GB"/>
           </a:p>
@@ -666,7 +2372,7 @@
           <a:p>
             <a:fld id="{14C3C1EA-FC6E-46AC-8386-85E45AD60A19}" type="datetimeFigureOut">
               <a:rPr lang="en-GB" smtClean="0"/>
-              <a:t>19/02/2022</a:t>
+              <a:t>12/05/2022</a:t>
             </a:fld>
             <a:endParaRPr lang="en-GB"/>
           </a:p>
@@ -866,7 +2572,7 @@
           <a:p>
             <a:fld id="{14C3C1EA-FC6E-46AC-8386-85E45AD60A19}" type="datetimeFigureOut">
               <a:rPr lang="en-GB" smtClean="0"/>
-              <a:t>19/02/2022</a:t>
+              <a:t>12/05/2022</a:t>
             </a:fld>
             <a:endParaRPr lang="en-GB"/>
           </a:p>
@@ -1142,7 +2848,7 @@
           <a:p>
             <a:fld id="{14C3C1EA-FC6E-46AC-8386-85E45AD60A19}" type="datetimeFigureOut">
               <a:rPr lang="en-GB" smtClean="0"/>
-              <a:t>19/02/2022</a:t>
+              <a:t>12/05/2022</a:t>
             </a:fld>
             <a:endParaRPr lang="en-GB"/>
           </a:p>
@@ -1410,7 +3116,7 @@
           <a:p>
             <a:fld id="{14C3C1EA-FC6E-46AC-8386-85E45AD60A19}" type="datetimeFigureOut">
               <a:rPr lang="en-GB" smtClean="0"/>
-              <a:t>19/02/2022</a:t>
+              <a:t>12/05/2022</a:t>
             </a:fld>
             <a:endParaRPr lang="en-GB"/>
           </a:p>
@@ -1825,7 +3531,7 @@
           <a:p>
             <a:fld id="{14C3C1EA-FC6E-46AC-8386-85E45AD60A19}" type="datetimeFigureOut">
               <a:rPr lang="en-GB" smtClean="0"/>
-              <a:t>19/02/2022</a:t>
+              <a:t>12/05/2022</a:t>
             </a:fld>
             <a:endParaRPr lang="en-GB"/>
           </a:p>
@@ -1967,7 +3673,7 @@
           <a:p>
             <a:fld id="{14C3C1EA-FC6E-46AC-8386-85E45AD60A19}" type="datetimeFigureOut">
               <a:rPr lang="en-GB" smtClean="0"/>
-              <a:t>19/02/2022</a:t>
+              <a:t>12/05/2022</a:t>
             </a:fld>
             <a:endParaRPr lang="en-GB"/>
           </a:p>
@@ -2080,7 +3786,7 @@
           <a:p>
             <a:fld id="{14C3C1EA-FC6E-46AC-8386-85E45AD60A19}" type="datetimeFigureOut">
               <a:rPr lang="en-GB" smtClean="0"/>
-              <a:t>19/02/2022</a:t>
+              <a:t>12/05/2022</a:t>
             </a:fld>
             <a:endParaRPr lang="en-GB"/>
           </a:p>
@@ -2393,7 +4099,7 @@
           <a:p>
             <a:fld id="{14C3C1EA-FC6E-46AC-8386-85E45AD60A19}" type="datetimeFigureOut">
               <a:rPr lang="en-GB" smtClean="0"/>
-              <a:t>19/02/2022</a:t>
+              <a:t>12/05/2022</a:t>
             </a:fld>
             <a:endParaRPr lang="en-GB"/>
           </a:p>
@@ -2682,7 +4388,7 @@
           <a:p>
             <a:fld id="{14C3C1EA-FC6E-46AC-8386-85E45AD60A19}" type="datetimeFigureOut">
               <a:rPr lang="en-GB" smtClean="0"/>
-              <a:t>19/02/2022</a:t>
+              <a:t>12/05/2022</a:t>
             </a:fld>
             <a:endParaRPr lang="en-GB"/>
           </a:p>
@@ -2925,7 +4631,7 @@
           <a:p>
             <a:fld id="{14C3C1EA-FC6E-46AC-8386-85E45AD60A19}" type="datetimeFigureOut">
               <a:rPr lang="en-GB" smtClean="0"/>
-              <a:t>19/02/2022</a:t>
+              <a:t>12/05/2022</a:t>
             </a:fld>
             <a:endParaRPr lang="en-GB"/>
           </a:p>
@@ -3392,10 +5098,31 @@
           <a:lstStyle/>
           <a:p>
             <a:r>
-              <a:rPr lang="en-GB"/>
+              <a:rPr lang="en-GB" dirty="0"/>
               <a:t>Thomas Fishwick</a:t>
             </a:r>
-            <a:endParaRPr lang="en-GB" dirty="0"/>
+          </a:p>
+          <a:p>
+            <a:r>
+              <a:rPr lang="en-GB" dirty="0"/>
+              <a:t>210020607</a:t>
+            </a:r>
+          </a:p>
+          <a:p>
+            <a:r>
+              <a:rPr lang="en-GB" dirty="0"/>
+              <a:t>GitHub Link: </a:t>
+            </a:r>
+            <a:r>
+              <a:rPr lang="en-GB" dirty="0">
+                <a:hlinkClick r:id="rId3"/>
+              </a:rPr>
+              <a:t>https://github.com/SL477/DRL-coursework</a:t>
+            </a:r>
+            <a:r>
+              <a:rPr lang="en-GB" dirty="0"/>
+              <a:t> </a:t>
+            </a:r>
           </a:p>
         </p:txBody>
       </p:sp>
@@ -3403,6 +5130,2238 @@
     <p:extLst>
       <p:ext uri="{BB962C8B-B14F-4D97-AF65-F5344CB8AC3E}">
         <p14:creationId xmlns:p14="http://schemas.microsoft.com/office/powerpoint/2010/main" val="245688833"/>
+      </p:ext>
+    </p:extLst>
+  </p:cSld>
+  <p:clrMapOvr>
+    <a:masterClrMapping/>
+  </p:clrMapOvr>
+</p:sld>
+</file>
+
+<file path=ppt/slides/slide10.xml><?xml version="1.0" encoding="utf-8"?>
+<p:sld xmlns:a="http://schemas.openxmlformats.org/drawingml/2006/main" xmlns:r="http://schemas.openxmlformats.org/officeDocument/2006/relationships" xmlns:p="http://schemas.openxmlformats.org/presentationml/2006/main">
+  <p:cSld>
+    <p:spTree>
+      <p:nvGrpSpPr>
+        <p:cNvPr id="1" name=""/>
+        <p:cNvGrpSpPr/>
+        <p:nvPr/>
+      </p:nvGrpSpPr>
+      <p:grpSpPr>
+        <a:xfrm>
+          <a:off x="0" y="0"/>
+          <a:ext cx="0" cy="0"/>
+          <a:chOff x="0" y="0"/>
+          <a:chExt cx="0" cy="0"/>
+        </a:xfrm>
+      </p:grpSpPr>
+      <p:sp>
+        <p:nvSpPr>
+          <p:cNvPr id="2" name="Title 1">
+            <a:extLst>
+              <a:ext uri="{FF2B5EF4-FFF2-40B4-BE49-F238E27FC236}">
+                <a16:creationId xmlns:a16="http://schemas.microsoft.com/office/drawing/2014/main" id="{1B8BC139-BDAF-7923-AD06-116064DDD7F6}"/>
+              </a:ext>
+            </a:extLst>
+          </p:cNvPr>
+          <p:cNvSpPr>
+            <a:spLocks noGrp="1"/>
+          </p:cNvSpPr>
+          <p:nvPr>
+            <p:ph type="title"/>
+          </p:nvPr>
+        </p:nvSpPr>
+        <p:spPr/>
+        <p:txBody>
+          <a:bodyPr/>
+          <a:lstStyle/>
+          <a:p>
+            <a:pPr algn="ctr"/>
+            <a:r>
+              <a:rPr lang="en-GB" dirty="0"/>
+              <a:t>Advanced – Analyse the results quantitively and qualitatively</a:t>
+            </a:r>
+          </a:p>
+        </p:txBody>
+      </p:sp>
+      <p:sp>
+        <p:nvSpPr>
+          <p:cNvPr id="3" name="Content Placeholder 2">
+            <a:extLst>
+              <a:ext uri="{FF2B5EF4-FFF2-40B4-BE49-F238E27FC236}">
+                <a16:creationId xmlns:a16="http://schemas.microsoft.com/office/drawing/2014/main" id="{5C9F9568-45C9-D50D-DC73-84AB3DC9189C}"/>
+              </a:ext>
+            </a:extLst>
+          </p:cNvPr>
+          <p:cNvSpPr>
+            <a:spLocks noGrp="1"/>
+          </p:cNvSpPr>
+          <p:nvPr>
+            <p:ph idx="1"/>
+          </p:nvPr>
+        </p:nvSpPr>
+        <p:spPr/>
+        <p:txBody>
+          <a:bodyPr/>
+          <a:lstStyle/>
+          <a:p>
+            <a:r>
+              <a:rPr lang="en-GB" dirty="0"/>
+              <a:t>We loaded our state dictionary into our neural network class and then used it to predict the next action. Every time it did this we saved the output array from the agent’s point of view to a list. We then ran through this list converting them to pictures and saved each picture into a video file so that we could watch exactly what our agent had done.</a:t>
+            </a:r>
+          </a:p>
+        </p:txBody>
+      </p:sp>
+      <p:pic>
+        <p:nvPicPr>
+          <p:cNvPr id="5" name="Picture 4" descr="Chart, scatter chart&#10;&#10;Description automatically generated">
+            <a:extLst>
+              <a:ext uri="{FF2B5EF4-FFF2-40B4-BE49-F238E27FC236}">
+                <a16:creationId xmlns:a16="http://schemas.microsoft.com/office/drawing/2014/main" id="{D7685A71-9AB1-3080-2590-F0A77291D75A}"/>
+              </a:ext>
+            </a:extLst>
+          </p:cNvPr>
+          <p:cNvPicPr>
+            <a:picLocks noChangeAspect="1"/>
+          </p:cNvPicPr>
+          <p:nvPr/>
+        </p:nvPicPr>
+        <p:blipFill>
+          <a:blip r:embed="rId3">
+            <a:extLst>
+              <a:ext uri="{28A0092B-C50C-407E-A947-70E740481C1C}">
+                <a14:useLocalDpi xmlns:a14="http://schemas.microsoft.com/office/drawing/2010/main" val="0"/>
+              </a:ext>
+            </a:extLst>
+          </a:blip>
+          <a:stretch>
+            <a:fillRect/>
+          </a:stretch>
+        </p:blipFill>
+        <p:spPr>
+          <a:xfrm>
+            <a:off x="8149826" y="4117877"/>
+            <a:ext cx="4058216" cy="2600688"/>
+          </a:xfrm>
+          <a:prstGeom prst="rect">
+            <a:avLst/>
+          </a:prstGeom>
+        </p:spPr>
+      </p:pic>
+      <p:pic>
+        <p:nvPicPr>
+          <p:cNvPr id="7" name="Picture 6" descr="Chart&#10;&#10;Description automatically generated">
+            <a:extLst>
+              <a:ext uri="{FF2B5EF4-FFF2-40B4-BE49-F238E27FC236}">
+                <a16:creationId xmlns:a16="http://schemas.microsoft.com/office/drawing/2014/main" id="{285EE21B-37EB-5F17-5218-EF1879F26F3E}"/>
+              </a:ext>
+            </a:extLst>
+          </p:cNvPr>
+          <p:cNvPicPr>
+            <a:picLocks noChangeAspect="1"/>
+          </p:cNvPicPr>
+          <p:nvPr/>
+        </p:nvPicPr>
+        <p:blipFill>
+          <a:blip r:embed="rId4">
+            <a:extLst>
+              <a:ext uri="{28A0092B-C50C-407E-A947-70E740481C1C}">
+                <a14:useLocalDpi xmlns:a14="http://schemas.microsoft.com/office/drawing/2010/main" val="0"/>
+              </a:ext>
+            </a:extLst>
+          </a:blip>
+          <a:stretch>
+            <a:fillRect/>
+          </a:stretch>
+        </p:blipFill>
+        <p:spPr>
+          <a:xfrm>
+            <a:off x="41117" y="4213130"/>
+            <a:ext cx="4001058" cy="2581635"/>
+          </a:xfrm>
+          <a:prstGeom prst="rect">
+            <a:avLst/>
+          </a:prstGeom>
+        </p:spPr>
+      </p:pic>
+      <p:sp>
+        <p:nvSpPr>
+          <p:cNvPr id="8" name="TextBox 7">
+            <a:extLst>
+              <a:ext uri="{FF2B5EF4-FFF2-40B4-BE49-F238E27FC236}">
+                <a16:creationId xmlns:a16="http://schemas.microsoft.com/office/drawing/2014/main" id="{01AA144D-CC04-D2AC-C4B4-5B153DAE01EC}"/>
+              </a:ext>
+            </a:extLst>
+          </p:cNvPr>
+          <p:cNvSpPr txBox="1"/>
+          <p:nvPr/>
+        </p:nvSpPr>
+        <p:spPr>
+          <a:xfrm>
+            <a:off x="4042175" y="4213130"/>
+            <a:ext cx="679994" cy="369332"/>
+          </a:xfrm>
+          <a:prstGeom prst="rect">
+            <a:avLst/>
+          </a:prstGeom>
+          <a:noFill/>
+        </p:spPr>
+        <p:txBody>
+          <a:bodyPr wrap="none" rtlCol="0">
+            <a:spAutoFit/>
+          </a:bodyPr>
+          <a:lstStyle/>
+          <a:p>
+            <a:r>
+              <a:rPr lang="en-GB" dirty="0" err="1"/>
+              <a:t>RLLib</a:t>
+            </a:r>
+            <a:endParaRPr lang="en-GB" dirty="0"/>
+          </a:p>
+        </p:txBody>
+      </p:sp>
+      <p:sp>
+        <p:nvSpPr>
+          <p:cNvPr id="9" name="TextBox 8">
+            <a:extLst>
+              <a:ext uri="{FF2B5EF4-FFF2-40B4-BE49-F238E27FC236}">
+                <a16:creationId xmlns:a16="http://schemas.microsoft.com/office/drawing/2014/main" id="{794A0CE0-84AB-1AC9-852D-D216670045D7}"/>
+              </a:ext>
+            </a:extLst>
+          </p:cNvPr>
+          <p:cNvSpPr txBox="1"/>
+          <p:nvPr/>
+        </p:nvSpPr>
+        <p:spPr>
+          <a:xfrm>
+            <a:off x="6721642" y="4397796"/>
+            <a:ext cx="624723" cy="369332"/>
+          </a:xfrm>
+          <a:prstGeom prst="rect">
+            <a:avLst/>
+          </a:prstGeom>
+          <a:noFill/>
+        </p:spPr>
+        <p:txBody>
+          <a:bodyPr wrap="none" rtlCol="0">
+            <a:spAutoFit/>
+          </a:bodyPr>
+          <a:lstStyle/>
+          <a:p>
+            <a:r>
+              <a:rPr lang="en-GB" dirty="0"/>
+              <a:t>Ours</a:t>
+            </a:r>
+          </a:p>
+        </p:txBody>
+      </p:sp>
+      <p:cxnSp>
+        <p:nvCxnSpPr>
+          <p:cNvPr id="11" name="Straight Arrow Connector 10">
+            <a:extLst>
+              <a:ext uri="{FF2B5EF4-FFF2-40B4-BE49-F238E27FC236}">
+                <a16:creationId xmlns:a16="http://schemas.microsoft.com/office/drawing/2014/main" id="{C5AFB436-F4C7-4BE6-59A6-6AAD99124B3A}"/>
+              </a:ext>
+            </a:extLst>
+          </p:cNvPr>
+          <p:cNvCxnSpPr>
+            <a:stCxn id="8" idx="1"/>
+          </p:cNvCxnSpPr>
+          <p:nvPr/>
+        </p:nvCxnSpPr>
+        <p:spPr>
+          <a:xfrm flipH="1">
+            <a:off x="3785937" y="4397796"/>
+            <a:ext cx="256238" cy="0"/>
+          </a:xfrm>
+          <a:prstGeom prst="straightConnector1">
+            <a:avLst/>
+          </a:prstGeom>
+          <a:ln>
+            <a:tailEnd type="triangle"/>
+          </a:ln>
+        </p:spPr>
+        <p:style>
+          <a:lnRef idx="1">
+            <a:schemeClr val="accent1"/>
+          </a:lnRef>
+          <a:fillRef idx="0">
+            <a:schemeClr val="accent1"/>
+          </a:fillRef>
+          <a:effectRef idx="0">
+            <a:schemeClr val="accent1"/>
+          </a:effectRef>
+          <a:fontRef idx="minor">
+            <a:schemeClr val="tx1"/>
+          </a:fontRef>
+        </p:style>
+      </p:cxnSp>
+      <p:cxnSp>
+        <p:nvCxnSpPr>
+          <p:cNvPr id="13" name="Straight Arrow Connector 12">
+            <a:extLst>
+              <a:ext uri="{FF2B5EF4-FFF2-40B4-BE49-F238E27FC236}">
+                <a16:creationId xmlns:a16="http://schemas.microsoft.com/office/drawing/2014/main" id="{070B5D2B-23E9-E018-B66D-5A45C14791D8}"/>
+              </a:ext>
+            </a:extLst>
+          </p:cNvPr>
+          <p:cNvCxnSpPr>
+            <a:stCxn id="9" idx="2"/>
+          </p:cNvCxnSpPr>
+          <p:nvPr/>
+        </p:nvCxnSpPr>
+        <p:spPr>
+          <a:xfrm>
+            <a:off x="7034004" y="4767128"/>
+            <a:ext cx="1356017" cy="141756"/>
+          </a:xfrm>
+          <a:prstGeom prst="straightConnector1">
+            <a:avLst/>
+          </a:prstGeom>
+          <a:ln>
+            <a:tailEnd type="triangle"/>
+          </a:ln>
+        </p:spPr>
+        <p:style>
+          <a:lnRef idx="1">
+            <a:schemeClr val="accent1"/>
+          </a:lnRef>
+          <a:fillRef idx="0">
+            <a:schemeClr val="accent1"/>
+          </a:fillRef>
+          <a:effectRef idx="0">
+            <a:schemeClr val="accent1"/>
+          </a:effectRef>
+          <a:fontRef idx="minor">
+            <a:schemeClr val="tx1"/>
+          </a:fontRef>
+        </p:style>
+      </p:cxnSp>
+    </p:spTree>
+    <p:extLst>
+      <p:ext uri="{BB962C8B-B14F-4D97-AF65-F5344CB8AC3E}">
+        <p14:creationId xmlns:p14="http://schemas.microsoft.com/office/powerpoint/2010/main" val="3354646362"/>
+      </p:ext>
+    </p:extLst>
+  </p:cSld>
+  <p:clrMapOvr>
+    <a:masterClrMapping/>
+  </p:clrMapOvr>
+</p:sld>
+</file>
+
+<file path=ppt/slides/slide11.xml><?xml version="1.0" encoding="utf-8"?>
+<p:sld xmlns:a="http://schemas.openxmlformats.org/drawingml/2006/main" xmlns:r="http://schemas.openxmlformats.org/officeDocument/2006/relationships" xmlns:p="http://schemas.openxmlformats.org/presentationml/2006/main">
+  <p:cSld>
+    <p:spTree>
+      <p:nvGrpSpPr>
+        <p:cNvPr id="1" name=""/>
+        <p:cNvGrpSpPr/>
+        <p:nvPr/>
+      </p:nvGrpSpPr>
+      <p:grpSpPr>
+        <a:xfrm>
+          <a:off x="0" y="0"/>
+          <a:ext cx="0" cy="0"/>
+          <a:chOff x="0" y="0"/>
+          <a:chExt cx="0" cy="0"/>
+        </a:xfrm>
+      </p:grpSpPr>
+      <p:sp>
+        <p:nvSpPr>
+          <p:cNvPr id="2" name="Title 1">
+            <a:extLst>
+              <a:ext uri="{FF2B5EF4-FFF2-40B4-BE49-F238E27FC236}">
+                <a16:creationId xmlns:a16="http://schemas.microsoft.com/office/drawing/2014/main" id="{B7F2C26A-1FF0-A66C-84B7-2213B25AF8D3}"/>
+              </a:ext>
+            </a:extLst>
+          </p:cNvPr>
+          <p:cNvSpPr>
+            <a:spLocks noGrp="1"/>
+          </p:cNvSpPr>
+          <p:nvPr>
+            <p:ph type="title"/>
+          </p:nvPr>
+        </p:nvSpPr>
+        <p:spPr/>
+        <p:txBody>
+          <a:bodyPr>
+            <a:normAutofit fontScale="90000"/>
+          </a:bodyPr>
+          <a:lstStyle/>
+          <a:p>
+            <a:r>
+              <a:rPr lang="en-GB" dirty="0"/>
+              <a:t>Advanced – Apply RL algorithm of your choice (from </a:t>
+            </a:r>
+            <a:r>
+              <a:rPr lang="en-GB" dirty="0" err="1"/>
+              <a:t>RLLib</a:t>
+            </a:r>
+            <a:r>
+              <a:rPr lang="en-GB" dirty="0"/>
+              <a:t>) to one of the Atari Learning Environment</a:t>
+            </a:r>
+          </a:p>
+        </p:txBody>
+      </p:sp>
+      <p:sp>
+        <p:nvSpPr>
+          <p:cNvPr id="3" name="Content Placeholder 2">
+            <a:extLst>
+              <a:ext uri="{FF2B5EF4-FFF2-40B4-BE49-F238E27FC236}">
+                <a16:creationId xmlns:a16="http://schemas.microsoft.com/office/drawing/2014/main" id="{DF4F2E83-A811-6DF0-AAC1-49A7EEF658F8}"/>
+              </a:ext>
+            </a:extLst>
+          </p:cNvPr>
+          <p:cNvSpPr>
+            <a:spLocks noGrp="1"/>
+          </p:cNvSpPr>
+          <p:nvPr>
+            <p:ph idx="1"/>
+          </p:nvPr>
+        </p:nvSpPr>
+        <p:spPr/>
+        <p:txBody>
+          <a:bodyPr/>
+          <a:lstStyle/>
+          <a:p>
+            <a:r>
+              <a:rPr lang="en-GB" dirty="0"/>
+              <a:t>Here we chose the Space Invaders environment and the Evolutionary strategies algorithm</a:t>
+            </a:r>
+          </a:p>
+          <a:p>
+            <a:r>
+              <a:rPr lang="en-GB" dirty="0"/>
+              <a:t>We used our video capture code to capture each frame of the environment into a video</a:t>
+            </a:r>
+          </a:p>
+          <a:p>
+            <a:r>
+              <a:rPr lang="en-GB" dirty="0"/>
+              <a:t>We then used Ray tune to tune our environment (Docker aborted this at around the 30 hours mark). We had some difficulty in setting Ray to use our 6 core CPU, as it wanted something much bigger</a:t>
+            </a:r>
+          </a:p>
+        </p:txBody>
+      </p:sp>
+    </p:spTree>
+    <p:extLst>
+      <p:ext uri="{BB962C8B-B14F-4D97-AF65-F5344CB8AC3E}">
+        <p14:creationId xmlns:p14="http://schemas.microsoft.com/office/powerpoint/2010/main" val="1359056702"/>
+      </p:ext>
+    </p:extLst>
+  </p:cSld>
+  <p:clrMapOvr>
+    <a:masterClrMapping/>
+  </p:clrMapOvr>
+</p:sld>
+</file>
+
+<file path=ppt/slides/slide12.xml><?xml version="1.0" encoding="utf-8"?>
+<p:sld xmlns:a="http://schemas.openxmlformats.org/drawingml/2006/main" xmlns:r="http://schemas.openxmlformats.org/officeDocument/2006/relationships" xmlns:p="http://schemas.openxmlformats.org/presentationml/2006/main">
+  <p:cSld>
+    <p:spTree>
+      <p:nvGrpSpPr>
+        <p:cNvPr id="1" name=""/>
+        <p:cNvGrpSpPr/>
+        <p:nvPr/>
+      </p:nvGrpSpPr>
+      <p:grpSpPr>
+        <a:xfrm>
+          <a:off x="0" y="0"/>
+          <a:ext cx="0" cy="0"/>
+          <a:chOff x="0" y="0"/>
+          <a:chExt cx="0" cy="0"/>
+        </a:xfrm>
+      </p:grpSpPr>
+      <p:sp>
+        <p:nvSpPr>
+          <p:cNvPr id="2" name="Title 1">
+            <a:extLst>
+              <a:ext uri="{FF2B5EF4-FFF2-40B4-BE49-F238E27FC236}">
+                <a16:creationId xmlns:a16="http://schemas.microsoft.com/office/drawing/2014/main" id="{3B95806C-EBA7-638E-670E-3CD6AD6AEE50}"/>
+              </a:ext>
+            </a:extLst>
+          </p:cNvPr>
+          <p:cNvSpPr>
+            <a:spLocks noGrp="1"/>
+          </p:cNvSpPr>
+          <p:nvPr>
+            <p:ph type="title"/>
+          </p:nvPr>
+        </p:nvSpPr>
+        <p:spPr/>
+        <p:txBody>
+          <a:bodyPr/>
+          <a:lstStyle/>
+          <a:p>
+            <a:pPr algn="ctr"/>
+            <a:r>
+              <a:rPr lang="en-GB" dirty="0"/>
+              <a:t>Advanced-Atari analyse the results quantitively and qualitatively</a:t>
+            </a:r>
+          </a:p>
+        </p:txBody>
+      </p:sp>
+      <p:sp>
+        <p:nvSpPr>
+          <p:cNvPr id="3" name="Content Placeholder 2">
+            <a:extLst>
+              <a:ext uri="{FF2B5EF4-FFF2-40B4-BE49-F238E27FC236}">
+                <a16:creationId xmlns:a16="http://schemas.microsoft.com/office/drawing/2014/main" id="{9EC2A3A5-3C4E-A958-1375-6C4FAD39C96F}"/>
+              </a:ext>
+            </a:extLst>
+          </p:cNvPr>
+          <p:cNvSpPr>
+            <a:spLocks noGrp="1"/>
+          </p:cNvSpPr>
+          <p:nvPr>
+            <p:ph idx="1"/>
+          </p:nvPr>
+        </p:nvSpPr>
+        <p:spPr/>
+        <p:txBody>
+          <a:bodyPr/>
+          <a:lstStyle/>
+          <a:p>
+            <a:r>
+              <a:rPr lang="en-GB" dirty="0"/>
+              <a:t>From the CSV file which Ray Tune generated we generated a graph of the mean rewards over time</a:t>
+            </a:r>
+          </a:p>
+          <a:p>
+            <a:r>
+              <a:rPr lang="en-GB" dirty="0"/>
+              <a:t>We used similar code from the DQN section to capture each frame of what the agent was doing into a video</a:t>
+            </a:r>
+          </a:p>
+        </p:txBody>
+      </p:sp>
+      <p:pic>
+        <p:nvPicPr>
+          <p:cNvPr id="5" name="Picture 4" descr="Graphical user interface, text, application&#10;&#10;Description automatically generated">
+            <a:extLst>
+              <a:ext uri="{FF2B5EF4-FFF2-40B4-BE49-F238E27FC236}">
+                <a16:creationId xmlns:a16="http://schemas.microsoft.com/office/drawing/2014/main" id="{4CE37BC0-93EA-E5DB-7863-755E33449A46}"/>
+              </a:ext>
+            </a:extLst>
+          </p:cNvPr>
+          <p:cNvPicPr>
+            <a:picLocks noChangeAspect="1"/>
+          </p:cNvPicPr>
+          <p:nvPr/>
+        </p:nvPicPr>
+        <p:blipFill>
+          <a:blip r:embed="rId3">
+            <a:extLst>
+              <a:ext uri="{28A0092B-C50C-407E-A947-70E740481C1C}">
+                <a14:useLocalDpi xmlns:a14="http://schemas.microsoft.com/office/drawing/2010/main" val="0"/>
+              </a:ext>
+            </a:extLst>
+          </a:blip>
+          <a:stretch>
+            <a:fillRect/>
+          </a:stretch>
+        </p:blipFill>
+        <p:spPr>
+          <a:xfrm>
+            <a:off x="0" y="3561890"/>
+            <a:ext cx="4029637" cy="1648055"/>
+          </a:xfrm>
+          <a:prstGeom prst="rect">
+            <a:avLst/>
+          </a:prstGeom>
+        </p:spPr>
+      </p:pic>
+      <p:pic>
+        <p:nvPicPr>
+          <p:cNvPr id="7" name="Picture 6" descr="Graphical user interface, text, application&#10;&#10;Description automatically generated">
+            <a:extLst>
+              <a:ext uri="{FF2B5EF4-FFF2-40B4-BE49-F238E27FC236}">
+                <a16:creationId xmlns:a16="http://schemas.microsoft.com/office/drawing/2014/main" id="{36B039AA-0A60-491F-C6E8-36EFDD7DC205}"/>
+              </a:ext>
+            </a:extLst>
+          </p:cNvPr>
+          <p:cNvPicPr>
+            <a:picLocks noChangeAspect="1"/>
+          </p:cNvPicPr>
+          <p:nvPr/>
+        </p:nvPicPr>
+        <p:blipFill rotWithShape="1">
+          <a:blip r:embed="rId4">
+            <a:extLst>
+              <a:ext uri="{28A0092B-C50C-407E-A947-70E740481C1C}">
+                <a14:useLocalDpi xmlns:a14="http://schemas.microsoft.com/office/drawing/2010/main" val="0"/>
+              </a:ext>
+            </a:extLst>
+          </a:blip>
+          <a:srcRect b="4617"/>
+          <a:stretch/>
+        </p:blipFill>
+        <p:spPr>
+          <a:xfrm>
+            <a:off x="-11436" y="5002840"/>
+            <a:ext cx="3077004" cy="1853652"/>
+          </a:xfrm>
+          <a:prstGeom prst="rect">
+            <a:avLst/>
+          </a:prstGeom>
+        </p:spPr>
+      </p:pic>
+      <p:pic>
+        <p:nvPicPr>
+          <p:cNvPr id="9" name="Picture 8" descr="Text&#10;&#10;Description automatically generated with medium confidence">
+            <a:extLst>
+              <a:ext uri="{FF2B5EF4-FFF2-40B4-BE49-F238E27FC236}">
+                <a16:creationId xmlns:a16="http://schemas.microsoft.com/office/drawing/2014/main" id="{34F0C455-9829-5CA7-281A-890A59EE4F12}"/>
+              </a:ext>
+            </a:extLst>
+          </p:cNvPr>
+          <p:cNvPicPr>
+            <a:picLocks noChangeAspect="1"/>
+          </p:cNvPicPr>
+          <p:nvPr/>
+        </p:nvPicPr>
+        <p:blipFill rotWithShape="1">
+          <a:blip r:embed="rId5">
+            <a:extLst>
+              <a:ext uri="{28A0092B-C50C-407E-A947-70E740481C1C}">
+                <a14:useLocalDpi xmlns:a14="http://schemas.microsoft.com/office/drawing/2010/main" val="0"/>
+              </a:ext>
+            </a:extLst>
+          </a:blip>
+          <a:srcRect b="30731"/>
+          <a:stretch/>
+        </p:blipFill>
+        <p:spPr>
+          <a:xfrm>
+            <a:off x="7122695" y="3078521"/>
+            <a:ext cx="4754329" cy="3777970"/>
+          </a:xfrm>
+          <a:prstGeom prst="rect">
+            <a:avLst/>
+          </a:prstGeom>
+        </p:spPr>
+      </p:pic>
+      <p:pic>
+        <p:nvPicPr>
+          <p:cNvPr id="11" name="Picture 10" descr="Chart, scatter chart&#10;&#10;Description automatically generated">
+            <a:extLst>
+              <a:ext uri="{FF2B5EF4-FFF2-40B4-BE49-F238E27FC236}">
+                <a16:creationId xmlns:a16="http://schemas.microsoft.com/office/drawing/2014/main" id="{88E9BCB7-D8EE-8D21-4753-78FC2F13B6AE}"/>
+              </a:ext>
+            </a:extLst>
+          </p:cNvPr>
+          <p:cNvPicPr>
+            <a:picLocks noChangeAspect="1"/>
+          </p:cNvPicPr>
+          <p:nvPr/>
+        </p:nvPicPr>
+        <p:blipFill>
+          <a:blip r:embed="rId6">
+            <a:extLst>
+              <a:ext uri="{28A0092B-C50C-407E-A947-70E740481C1C}">
+                <a14:useLocalDpi xmlns:a14="http://schemas.microsoft.com/office/drawing/2010/main" val="0"/>
+              </a:ext>
+            </a:extLst>
+          </a:blip>
+          <a:stretch>
+            <a:fillRect/>
+          </a:stretch>
+        </p:blipFill>
+        <p:spPr>
+          <a:xfrm>
+            <a:off x="3407427" y="4175000"/>
+            <a:ext cx="3715268" cy="2705478"/>
+          </a:xfrm>
+          <a:prstGeom prst="rect">
+            <a:avLst/>
+          </a:prstGeom>
+        </p:spPr>
+      </p:pic>
+    </p:spTree>
+    <p:extLst>
+      <p:ext uri="{BB962C8B-B14F-4D97-AF65-F5344CB8AC3E}">
+        <p14:creationId xmlns:p14="http://schemas.microsoft.com/office/powerpoint/2010/main" val="2317781625"/>
+      </p:ext>
+    </p:extLst>
+  </p:cSld>
+  <p:clrMapOvr>
+    <a:masterClrMapping/>
+  </p:clrMapOvr>
+</p:sld>
+</file>
+
+<file path=ppt/slides/slide13.xml><?xml version="1.0" encoding="utf-8"?>
+<p:sld xmlns:a="http://schemas.openxmlformats.org/drawingml/2006/main" xmlns:r="http://schemas.openxmlformats.org/officeDocument/2006/relationships" xmlns:p="http://schemas.openxmlformats.org/presentationml/2006/main">
+  <p:cSld>
+    <p:spTree>
+      <p:nvGrpSpPr>
+        <p:cNvPr id="1" name=""/>
+        <p:cNvGrpSpPr/>
+        <p:nvPr/>
+      </p:nvGrpSpPr>
+      <p:grpSpPr>
+        <a:xfrm>
+          <a:off x="0" y="0"/>
+          <a:ext cx="0" cy="0"/>
+          <a:chOff x="0" y="0"/>
+          <a:chExt cx="0" cy="0"/>
+        </a:xfrm>
+      </p:grpSpPr>
+      <p:sp>
+        <p:nvSpPr>
+          <p:cNvPr id="2" name="Title 1">
+            <a:extLst>
+              <a:ext uri="{FF2B5EF4-FFF2-40B4-BE49-F238E27FC236}">
+                <a16:creationId xmlns:a16="http://schemas.microsoft.com/office/drawing/2014/main" id="{6BFEA183-6B72-ED38-D0EF-1DE15C94F5C6}"/>
+              </a:ext>
+            </a:extLst>
+          </p:cNvPr>
+          <p:cNvSpPr>
+            <a:spLocks noGrp="1"/>
+          </p:cNvSpPr>
+          <p:nvPr>
+            <p:ph type="title"/>
+          </p:nvPr>
+        </p:nvSpPr>
+        <p:spPr/>
+        <p:txBody>
+          <a:bodyPr/>
+          <a:lstStyle/>
+          <a:p>
+            <a:pPr algn="ctr"/>
+            <a:r>
+              <a:rPr lang="en-GB" dirty="0"/>
+              <a:t>Soft-Actor Critic</a:t>
+            </a:r>
+          </a:p>
+        </p:txBody>
+      </p:sp>
+      <p:sp>
+        <p:nvSpPr>
+          <p:cNvPr id="3" name="Content Placeholder 2">
+            <a:extLst>
+              <a:ext uri="{FF2B5EF4-FFF2-40B4-BE49-F238E27FC236}">
+                <a16:creationId xmlns:a16="http://schemas.microsoft.com/office/drawing/2014/main" id="{81431B66-3A5F-0C00-D717-8961C5027036}"/>
+              </a:ext>
+            </a:extLst>
+          </p:cNvPr>
+          <p:cNvSpPr>
+            <a:spLocks noGrp="1"/>
+          </p:cNvSpPr>
+          <p:nvPr>
+            <p:ph idx="1"/>
+          </p:nvPr>
+        </p:nvSpPr>
+        <p:spPr/>
+        <p:txBody>
+          <a:bodyPr/>
+          <a:lstStyle/>
+          <a:p>
+            <a:r>
+              <a:rPr lang="en-GB" dirty="0"/>
+              <a:t>Here we have our DQN and Replay Memory classes from earlier. But add another Neural Network Pi, to run a regression on the probability of whether or not to explore/exploit (our policy) (we exploit if it outputs &gt;0.5, otherwise we explore)</a:t>
+            </a:r>
+          </a:p>
+          <a:p>
+            <a:endParaRPr lang="en-GB" dirty="0"/>
+          </a:p>
+        </p:txBody>
+      </p:sp>
+      <p:pic>
+        <p:nvPicPr>
+          <p:cNvPr id="5" name="Picture 4" descr="Graphical user interface, text&#10;&#10;Description automatically generated">
+            <a:extLst>
+              <a:ext uri="{FF2B5EF4-FFF2-40B4-BE49-F238E27FC236}">
+                <a16:creationId xmlns:a16="http://schemas.microsoft.com/office/drawing/2014/main" id="{3BFEFE21-3427-9C65-3D57-5CB5316C45C5}"/>
+              </a:ext>
+            </a:extLst>
+          </p:cNvPr>
+          <p:cNvPicPr>
+            <a:picLocks noChangeAspect="1"/>
+          </p:cNvPicPr>
+          <p:nvPr/>
+        </p:nvPicPr>
+        <p:blipFill rotWithShape="1">
+          <a:blip r:embed="rId3">
+            <a:extLst>
+              <a:ext uri="{28A0092B-C50C-407E-A947-70E740481C1C}">
+                <a14:useLocalDpi xmlns:a14="http://schemas.microsoft.com/office/drawing/2010/main" val="0"/>
+              </a:ext>
+            </a:extLst>
+          </a:blip>
+          <a:srcRect b="34297"/>
+          <a:stretch/>
+        </p:blipFill>
+        <p:spPr>
+          <a:xfrm>
+            <a:off x="0" y="3628292"/>
+            <a:ext cx="5449060" cy="3229708"/>
+          </a:xfrm>
+          <a:prstGeom prst="rect">
+            <a:avLst/>
+          </a:prstGeom>
+        </p:spPr>
+      </p:pic>
+      <p:pic>
+        <p:nvPicPr>
+          <p:cNvPr id="7" name="Picture 6" descr="Text&#10;&#10;Description automatically generated">
+            <a:extLst>
+              <a:ext uri="{FF2B5EF4-FFF2-40B4-BE49-F238E27FC236}">
+                <a16:creationId xmlns:a16="http://schemas.microsoft.com/office/drawing/2014/main" id="{18924699-382F-5515-E760-01E03D8B954D}"/>
+              </a:ext>
+            </a:extLst>
+          </p:cNvPr>
+          <p:cNvPicPr>
+            <a:picLocks noChangeAspect="1"/>
+          </p:cNvPicPr>
+          <p:nvPr/>
+        </p:nvPicPr>
+        <p:blipFill>
+          <a:blip r:embed="rId4">
+            <a:extLst>
+              <a:ext uri="{28A0092B-C50C-407E-A947-70E740481C1C}">
+                <a14:useLocalDpi xmlns:a14="http://schemas.microsoft.com/office/drawing/2010/main" val="0"/>
+              </a:ext>
+            </a:extLst>
+          </a:blip>
+          <a:stretch>
+            <a:fillRect/>
+          </a:stretch>
+        </p:blipFill>
+        <p:spPr>
+          <a:xfrm>
+            <a:off x="5565330" y="4712677"/>
+            <a:ext cx="6661228" cy="2145323"/>
+          </a:xfrm>
+          <a:prstGeom prst="rect">
+            <a:avLst/>
+          </a:prstGeom>
+        </p:spPr>
+      </p:pic>
+    </p:spTree>
+    <p:extLst>
+      <p:ext uri="{BB962C8B-B14F-4D97-AF65-F5344CB8AC3E}">
+        <p14:creationId xmlns:p14="http://schemas.microsoft.com/office/powerpoint/2010/main" val="1821262999"/>
+      </p:ext>
+    </p:extLst>
+  </p:cSld>
+  <p:clrMapOvr>
+    <a:masterClrMapping/>
+  </p:clrMapOvr>
+</p:sld>
+</file>
+
+<file path=ppt/slides/slide14.xml><?xml version="1.0" encoding="utf-8"?>
+<p:sld xmlns:a="http://schemas.openxmlformats.org/drawingml/2006/main" xmlns:r="http://schemas.openxmlformats.org/officeDocument/2006/relationships" xmlns:p="http://schemas.openxmlformats.org/presentationml/2006/main">
+  <p:cSld>
+    <p:spTree>
+      <p:nvGrpSpPr>
+        <p:cNvPr id="1" name=""/>
+        <p:cNvGrpSpPr/>
+        <p:nvPr/>
+      </p:nvGrpSpPr>
+      <p:grpSpPr>
+        <a:xfrm>
+          <a:off x="0" y="0"/>
+          <a:ext cx="0" cy="0"/>
+          <a:chOff x="0" y="0"/>
+          <a:chExt cx="0" cy="0"/>
+        </a:xfrm>
+      </p:grpSpPr>
+      <p:sp>
+        <p:nvSpPr>
+          <p:cNvPr id="2" name="Title 1">
+            <a:extLst>
+              <a:ext uri="{FF2B5EF4-FFF2-40B4-BE49-F238E27FC236}">
+                <a16:creationId xmlns:a16="http://schemas.microsoft.com/office/drawing/2014/main" id="{7EB158AA-B5C4-198C-00AE-90FC70F1E596}"/>
+              </a:ext>
+            </a:extLst>
+          </p:cNvPr>
+          <p:cNvSpPr>
+            <a:spLocks noGrp="1"/>
+          </p:cNvSpPr>
+          <p:nvPr>
+            <p:ph type="title"/>
+          </p:nvPr>
+        </p:nvSpPr>
+        <p:spPr/>
+        <p:txBody>
+          <a:bodyPr/>
+          <a:lstStyle/>
+          <a:p>
+            <a:pPr algn="ctr"/>
+            <a:r>
+              <a:rPr lang="en-GB" dirty="0"/>
+              <a:t>Soft-Actor Critic</a:t>
+            </a:r>
+          </a:p>
+        </p:txBody>
+      </p:sp>
+      <p:sp>
+        <p:nvSpPr>
+          <p:cNvPr id="3" name="Content Placeholder 2">
+            <a:extLst>
+              <a:ext uri="{FF2B5EF4-FFF2-40B4-BE49-F238E27FC236}">
+                <a16:creationId xmlns:a16="http://schemas.microsoft.com/office/drawing/2014/main" id="{31DBEBBD-07B8-3312-6A1C-8ECB3F1E46E1}"/>
+              </a:ext>
+            </a:extLst>
+          </p:cNvPr>
+          <p:cNvSpPr>
+            <a:spLocks noGrp="1"/>
+          </p:cNvSpPr>
+          <p:nvPr>
+            <p:ph idx="1"/>
+          </p:nvPr>
+        </p:nvSpPr>
+        <p:spPr/>
+        <p:txBody>
+          <a:bodyPr/>
+          <a:lstStyle/>
+          <a:p>
+            <a:r>
+              <a:rPr lang="en-GB" dirty="0"/>
+              <a:t>We fill up our memory at each episode using our Neural Networks to select actions</a:t>
+            </a:r>
+          </a:p>
+          <a:p>
+            <a:r>
+              <a:rPr lang="en-GB" dirty="0"/>
+              <a:t>We take our sample from the memories</a:t>
+            </a:r>
+          </a:p>
+          <a:p>
+            <a:r>
+              <a:rPr lang="en-GB" dirty="0"/>
+              <a:t>Compute the target Q values, sorting out which ones have no next state, adding rewards and multiplying by Gamma. Optimising the Q Network (this part is similar to DQN)</a:t>
+            </a:r>
+          </a:p>
+          <a:p>
+            <a:r>
+              <a:rPr lang="en-GB" dirty="0"/>
+              <a:t>Then we get the loss for the Pi network &amp; optimise</a:t>
+            </a:r>
+          </a:p>
+          <a:p>
+            <a:r>
+              <a:rPr lang="en-GB" dirty="0"/>
+              <a:t>Then repeat until the networks converge</a:t>
+            </a:r>
+          </a:p>
+        </p:txBody>
+      </p:sp>
+      <p:pic>
+        <p:nvPicPr>
+          <p:cNvPr id="5" name="Picture 4" descr="Text&#10;&#10;Description automatically generated">
+            <a:extLst>
+              <a:ext uri="{FF2B5EF4-FFF2-40B4-BE49-F238E27FC236}">
+                <a16:creationId xmlns:a16="http://schemas.microsoft.com/office/drawing/2014/main" id="{874BF147-38F9-18E4-BE09-9278D16B30BC}"/>
+              </a:ext>
+            </a:extLst>
+          </p:cNvPr>
+          <p:cNvPicPr>
+            <a:picLocks noChangeAspect="1"/>
+          </p:cNvPicPr>
+          <p:nvPr/>
+        </p:nvPicPr>
+        <p:blipFill>
+          <a:blip r:embed="rId3">
+            <a:extLst>
+              <a:ext uri="{28A0092B-C50C-407E-A947-70E740481C1C}">
+                <a14:useLocalDpi xmlns:a14="http://schemas.microsoft.com/office/drawing/2010/main" val="0"/>
+              </a:ext>
+            </a:extLst>
+          </a:blip>
+          <a:stretch>
+            <a:fillRect/>
+          </a:stretch>
+        </p:blipFill>
+        <p:spPr>
+          <a:xfrm>
+            <a:off x="0" y="5381419"/>
+            <a:ext cx="7240010" cy="1476581"/>
+          </a:xfrm>
+          <a:prstGeom prst="rect">
+            <a:avLst/>
+          </a:prstGeom>
+        </p:spPr>
+      </p:pic>
+      <p:pic>
+        <p:nvPicPr>
+          <p:cNvPr id="7" name="Picture 6" descr="Chart, scatter chart&#10;&#10;Description automatically generated">
+            <a:extLst>
+              <a:ext uri="{FF2B5EF4-FFF2-40B4-BE49-F238E27FC236}">
+                <a16:creationId xmlns:a16="http://schemas.microsoft.com/office/drawing/2014/main" id="{7E85D2EF-881B-DF2E-0804-A2B4AEC321D3}"/>
+              </a:ext>
+            </a:extLst>
+          </p:cNvPr>
+          <p:cNvPicPr>
+            <a:picLocks noChangeAspect="1"/>
+          </p:cNvPicPr>
+          <p:nvPr/>
+        </p:nvPicPr>
+        <p:blipFill>
+          <a:blip r:embed="rId4">
+            <a:extLst>
+              <a:ext uri="{28A0092B-C50C-407E-A947-70E740481C1C}">
+                <a14:useLocalDpi xmlns:a14="http://schemas.microsoft.com/office/drawing/2010/main" val="0"/>
+              </a:ext>
+            </a:extLst>
+          </a:blip>
+          <a:stretch>
+            <a:fillRect/>
+          </a:stretch>
+        </p:blipFill>
+        <p:spPr>
+          <a:xfrm>
+            <a:off x="8438146" y="4303925"/>
+            <a:ext cx="3753853" cy="2554075"/>
+          </a:xfrm>
+          <a:prstGeom prst="rect">
+            <a:avLst/>
+          </a:prstGeom>
+        </p:spPr>
+      </p:pic>
+    </p:spTree>
+    <p:extLst>
+      <p:ext uri="{BB962C8B-B14F-4D97-AF65-F5344CB8AC3E}">
+        <p14:creationId xmlns:p14="http://schemas.microsoft.com/office/powerpoint/2010/main" val="3875037181"/>
+      </p:ext>
+    </p:extLst>
+  </p:cSld>
+  <p:clrMapOvr>
+    <a:masterClrMapping/>
+  </p:clrMapOvr>
+</p:sld>
+</file>
+
+<file path=ppt/slides/slide2.xml><?xml version="1.0" encoding="utf-8"?>
+<p:sld xmlns:a="http://schemas.openxmlformats.org/drawingml/2006/main" xmlns:r="http://schemas.openxmlformats.org/officeDocument/2006/relationships" xmlns:p="http://schemas.openxmlformats.org/presentationml/2006/main">
+  <p:cSld>
+    <p:spTree>
+      <p:nvGrpSpPr>
+        <p:cNvPr id="1" name=""/>
+        <p:cNvGrpSpPr/>
+        <p:nvPr/>
+      </p:nvGrpSpPr>
+      <p:grpSpPr>
+        <a:xfrm>
+          <a:off x="0" y="0"/>
+          <a:ext cx="0" cy="0"/>
+          <a:chOff x="0" y="0"/>
+          <a:chExt cx="0" cy="0"/>
+        </a:xfrm>
+      </p:grpSpPr>
+      <p:sp>
+        <p:nvSpPr>
+          <p:cNvPr id="2" name="Title 1">
+            <a:extLst>
+              <a:ext uri="{FF2B5EF4-FFF2-40B4-BE49-F238E27FC236}">
+                <a16:creationId xmlns:a16="http://schemas.microsoft.com/office/drawing/2014/main" id="{A2EDE3EF-8218-D075-EC9E-F687FB2A2F77}"/>
+              </a:ext>
+            </a:extLst>
+          </p:cNvPr>
+          <p:cNvSpPr>
+            <a:spLocks noGrp="1"/>
+          </p:cNvSpPr>
+          <p:nvPr>
+            <p:ph type="title"/>
+          </p:nvPr>
+        </p:nvSpPr>
+        <p:spPr/>
+        <p:txBody>
+          <a:bodyPr/>
+          <a:lstStyle/>
+          <a:p>
+            <a:pPr algn="ctr"/>
+            <a:r>
+              <a:rPr lang="en-US" dirty="0"/>
+              <a:t>Basic - Define an environment and the problem to be solved</a:t>
+            </a:r>
+            <a:endParaRPr lang="en-GB" dirty="0"/>
+          </a:p>
+        </p:txBody>
+      </p:sp>
+      <p:sp>
+        <p:nvSpPr>
+          <p:cNvPr id="3" name="Content Placeholder 2">
+            <a:extLst>
+              <a:ext uri="{FF2B5EF4-FFF2-40B4-BE49-F238E27FC236}">
+                <a16:creationId xmlns:a16="http://schemas.microsoft.com/office/drawing/2014/main" id="{A51D3986-2959-F940-F6F3-E0B0F308ACBD}"/>
+              </a:ext>
+            </a:extLst>
+          </p:cNvPr>
+          <p:cNvSpPr>
+            <a:spLocks noGrp="1"/>
+          </p:cNvSpPr>
+          <p:nvPr>
+            <p:ph idx="1"/>
+          </p:nvPr>
+        </p:nvSpPr>
+        <p:spPr/>
+        <p:txBody>
+          <a:bodyPr/>
+          <a:lstStyle/>
+          <a:p>
+            <a:r>
+              <a:rPr lang="en-GB" dirty="0"/>
+              <a:t>Here we are trying to solve an environment, which is a fairly simple maze</a:t>
+            </a:r>
+          </a:p>
+          <a:p>
+            <a:r>
+              <a:rPr lang="en-GB" dirty="0"/>
+              <a:t>We have our two reward points, which need to be claimed in order by the agent</a:t>
+            </a:r>
+          </a:p>
+          <a:p>
+            <a:r>
+              <a:rPr lang="en-GB" dirty="0"/>
+              <a:t>We also have our two yellow traps</a:t>
+            </a:r>
+          </a:p>
+          <a:p>
+            <a:r>
+              <a:rPr lang="en-GB" dirty="0"/>
+              <a:t>Our agent starts at a random free location in the map</a:t>
+            </a:r>
+          </a:p>
+        </p:txBody>
+      </p:sp>
+      <p:pic>
+        <p:nvPicPr>
+          <p:cNvPr id="5" name="Picture 4" descr="Icon&#10;&#10;Description automatically generated">
+            <a:extLst>
+              <a:ext uri="{FF2B5EF4-FFF2-40B4-BE49-F238E27FC236}">
+                <a16:creationId xmlns:a16="http://schemas.microsoft.com/office/drawing/2014/main" id="{AA105B90-84B5-7604-3C7B-AEA00FF815F1}"/>
+              </a:ext>
+            </a:extLst>
+          </p:cNvPr>
+          <p:cNvPicPr>
+            <a:picLocks noChangeAspect="1"/>
+          </p:cNvPicPr>
+          <p:nvPr/>
+        </p:nvPicPr>
+        <p:blipFill>
+          <a:blip r:embed="rId3">
+            <a:extLst>
+              <a:ext uri="{28A0092B-C50C-407E-A947-70E740481C1C}">
+                <a14:useLocalDpi xmlns:a14="http://schemas.microsoft.com/office/drawing/2010/main" val="0"/>
+              </a:ext>
+            </a:extLst>
+          </a:blip>
+          <a:stretch>
+            <a:fillRect/>
+          </a:stretch>
+        </p:blipFill>
+        <p:spPr>
+          <a:xfrm>
+            <a:off x="8702713" y="3327841"/>
+            <a:ext cx="3288889" cy="3530159"/>
+          </a:xfrm>
+          <a:prstGeom prst="rect">
+            <a:avLst/>
+          </a:prstGeom>
+        </p:spPr>
+      </p:pic>
+      <p:pic>
+        <p:nvPicPr>
+          <p:cNvPr id="7" name="Picture 6" descr="A screenshot of a computer&#10;&#10;Description automatically generated with medium confidence">
+            <a:extLst>
+              <a:ext uri="{FF2B5EF4-FFF2-40B4-BE49-F238E27FC236}">
+                <a16:creationId xmlns:a16="http://schemas.microsoft.com/office/drawing/2014/main" id="{048A80BA-A191-08F2-C78D-D6B052FD96EC}"/>
+              </a:ext>
+            </a:extLst>
+          </p:cNvPr>
+          <p:cNvPicPr>
+            <a:picLocks noChangeAspect="1"/>
+          </p:cNvPicPr>
+          <p:nvPr/>
+        </p:nvPicPr>
+        <p:blipFill>
+          <a:blip r:embed="rId4">
+            <a:extLst>
+              <a:ext uri="{28A0092B-C50C-407E-A947-70E740481C1C}">
+                <a14:useLocalDpi xmlns:a14="http://schemas.microsoft.com/office/drawing/2010/main" val="0"/>
+              </a:ext>
+            </a:extLst>
+          </a:blip>
+          <a:stretch>
+            <a:fillRect/>
+          </a:stretch>
+        </p:blipFill>
+        <p:spPr>
+          <a:xfrm>
+            <a:off x="0" y="4514523"/>
+            <a:ext cx="2743583" cy="2343477"/>
+          </a:xfrm>
+          <a:prstGeom prst="rect">
+            <a:avLst/>
+          </a:prstGeom>
+        </p:spPr>
+      </p:pic>
+    </p:spTree>
+    <p:extLst>
+      <p:ext uri="{BB962C8B-B14F-4D97-AF65-F5344CB8AC3E}">
+        <p14:creationId xmlns:p14="http://schemas.microsoft.com/office/powerpoint/2010/main" val="204247650"/>
+      </p:ext>
+    </p:extLst>
+  </p:cSld>
+  <p:clrMapOvr>
+    <a:masterClrMapping/>
+  </p:clrMapOvr>
+</p:sld>
+</file>
+
+<file path=ppt/slides/slide3.xml><?xml version="1.0" encoding="utf-8"?>
+<p:sld xmlns:a="http://schemas.openxmlformats.org/drawingml/2006/main" xmlns:r="http://schemas.openxmlformats.org/officeDocument/2006/relationships" xmlns:p="http://schemas.openxmlformats.org/presentationml/2006/main">
+  <p:cSld>
+    <p:spTree>
+      <p:nvGrpSpPr>
+        <p:cNvPr id="1" name=""/>
+        <p:cNvGrpSpPr/>
+        <p:nvPr/>
+      </p:nvGrpSpPr>
+      <p:grpSpPr>
+        <a:xfrm>
+          <a:off x="0" y="0"/>
+          <a:ext cx="0" cy="0"/>
+          <a:chOff x="0" y="0"/>
+          <a:chExt cx="0" cy="0"/>
+        </a:xfrm>
+      </p:grpSpPr>
+      <p:sp>
+        <p:nvSpPr>
+          <p:cNvPr id="2" name="Title 1">
+            <a:extLst>
+              <a:ext uri="{FF2B5EF4-FFF2-40B4-BE49-F238E27FC236}">
+                <a16:creationId xmlns:a16="http://schemas.microsoft.com/office/drawing/2014/main" id="{F8A17674-544B-B948-B0C6-FBC5A0011895}"/>
+              </a:ext>
+            </a:extLst>
+          </p:cNvPr>
+          <p:cNvSpPr>
+            <a:spLocks noGrp="1"/>
+          </p:cNvSpPr>
+          <p:nvPr>
+            <p:ph type="title"/>
+          </p:nvPr>
+        </p:nvSpPr>
+        <p:spPr/>
+        <p:txBody>
+          <a:bodyPr/>
+          <a:lstStyle/>
+          <a:p>
+            <a:pPr algn="ctr"/>
+            <a:r>
+              <a:rPr lang="en-GB" dirty="0"/>
+              <a:t>Basic – Define a state transition function and the reward function</a:t>
+            </a:r>
+          </a:p>
+        </p:txBody>
+      </p:sp>
+      <p:sp>
+        <p:nvSpPr>
+          <p:cNvPr id="3" name="Content Placeholder 2">
+            <a:extLst>
+              <a:ext uri="{FF2B5EF4-FFF2-40B4-BE49-F238E27FC236}">
+                <a16:creationId xmlns:a16="http://schemas.microsoft.com/office/drawing/2014/main" id="{8C3FBF95-D951-8C52-239F-5EEAF0C990AC}"/>
+              </a:ext>
+            </a:extLst>
+          </p:cNvPr>
+          <p:cNvSpPr>
+            <a:spLocks noGrp="1"/>
+          </p:cNvSpPr>
+          <p:nvPr>
+            <p:ph idx="1"/>
+          </p:nvPr>
+        </p:nvSpPr>
+        <p:spPr/>
+        <p:txBody>
+          <a:bodyPr/>
+          <a:lstStyle/>
+          <a:p>
+            <a:r>
+              <a:rPr lang="en-GB" dirty="0"/>
+              <a:t>We created the R Matrix in the </a:t>
+            </a:r>
+            <a:r>
+              <a:rPr lang="en-GB" dirty="0" err="1"/>
+              <a:t>r_matrix</a:t>
+            </a:r>
+            <a:r>
+              <a:rPr lang="en-GB" dirty="0"/>
+              <a:t> module, which takes the flattened 1D array of the map and then works out which cells are adjacent to each other. This matrix is used as the basis for working out available actions that the agent can take. This list is returned to the agent to make its choice from</a:t>
+            </a:r>
+          </a:p>
+          <a:p>
+            <a:r>
+              <a:rPr lang="en-GB" dirty="0"/>
+              <a:t>The Reward matrix is filled with our reward values from the map’s key. Once the agent has made its choice the reward is returned to it</a:t>
+            </a:r>
+          </a:p>
+        </p:txBody>
+      </p:sp>
+      <p:pic>
+        <p:nvPicPr>
+          <p:cNvPr id="5" name="Picture 4" descr="Table&#10;&#10;Description automatically generated">
+            <a:extLst>
+              <a:ext uri="{FF2B5EF4-FFF2-40B4-BE49-F238E27FC236}">
+                <a16:creationId xmlns:a16="http://schemas.microsoft.com/office/drawing/2014/main" id="{16525413-6F47-8135-3DB1-FDE0EF6686EE}"/>
+              </a:ext>
+            </a:extLst>
+          </p:cNvPr>
+          <p:cNvPicPr>
+            <a:picLocks noChangeAspect="1"/>
+          </p:cNvPicPr>
+          <p:nvPr/>
+        </p:nvPicPr>
+        <p:blipFill>
+          <a:blip r:embed="rId3">
+            <a:extLst>
+              <a:ext uri="{28A0092B-C50C-407E-A947-70E740481C1C}">
+                <a14:useLocalDpi xmlns:a14="http://schemas.microsoft.com/office/drawing/2010/main" val="0"/>
+              </a:ext>
+            </a:extLst>
+          </a:blip>
+          <a:stretch>
+            <a:fillRect/>
+          </a:stretch>
+        </p:blipFill>
+        <p:spPr>
+          <a:xfrm>
+            <a:off x="0" y="4738487"/>
+            <a:ext cx="5919536" cy="2119513"/>
+          </a:xfrm>
+          <a:prstGeom prst="rect">
+            <a:avLst/>
+          </a:prstGeom>
+        </p:spPr>
+      </p:pic>
+      <p:pic>
+        <p:nvPicPr>
+          <p:cNvPr id="7" name="Picture 6" descr="A screenshot of a computer&#10;&#10;Description automatically generated with medium confidence">
+            <a:extLst>
+              <a:ext uri="{FF2B5EF4-FFF2-40B4-BE49-F238E27FC236}">
+                <a16:creationId xmlns:a16="http://schemas.microsoft.com/office/drawing/2014/main" id="{137E8EE2-0248-118C-6708-EF39B40A9D6E}"/>
+              </a:ext>
+            </a:extLst>
+          </p:cNvPr>
+          <p:cNvPicPr>
+            <a:picLocks noChangeAspect="1"/>
+          </p:cNvPicPr>
+          <p:nvPr/>
+        </p:nvPicPr>
+        <p:blipFill>
+          <a:blip r:embed="rId4">
+            <a:extLst>
+              <a:ext uri="{28A0092B-C50C-407E-A947-70E740481C1C}">
+                <a14:useLocalDpi xmlns:a14="http://schemas.microsoft.com/office/drawing/2010/main" val="0"/>
+              </a:ext>
+            </a:extLst>
+          </a:blip>
+          <a:stretch>
+            <a:fillRect/>
+          </a:stretch>
+        </p:blipFill>
+        <p:spPr>
+          <a:xfrm>
+            <a:off x="5952286" y="4991063"/>
+            <a:ext cx="6239714" cy="687842"/>
+          </a:xfrm>
+          <a:prstGeom prst="rect">
+            <a:avLst/>
+          </a:prstGeom>
+        </p:spPr>
+      </p:pic>
+    </p:spTree>
+    <p:extLst>
+      <p:ext uri="{BB962C8B-B14F-4D97-AF65-F5344CB8AC3E}">
+        <p14:creationId xmlns:p14="http://schemas.microsoft.com/office/powerpoint/2010/main" val="108433695"/>
+      </p:ext>
+    </p:extLst>
+  </p:cSld>
+  <p:clrMapOvr>
+    <a:masterClrMapping/>
+  </p:clrMapOvr>
+</p:sld>
+</file>
+
+<file path=ppt/slides/slide4.xml><?xml version="1.0" encoding="utf-8"?>
+<p:sld xmlns:a="http://schemas.openxmlformats.org/drawingml/2006/main" xmlns:r="http://schemas.openxmlformats.org/officeDocument/2006/relationships" xmlns:p="http://schemas.openxmlformats.org/presentationml/2006/main">
+  <p:cSld>
+    <p:spTree>
+      <p:nvGrpSpPr>
+        <p:cNvPr id="1" name=""/>
+        <p:cNvGrpSpPr/>
+        <p:nvPr/>
+      </p:nvGrpSpPr>
+      <p:grpSpPr>
+        <a:xfrm>
+          <a:off x="0" y="0"/>
+          <a:ext cx="0" cy="0"/>
+          <a:chOff x="0" y="0"/>
+          <a:chExt cx="0" cy="0"/>
+        </a:xfrm>
+      </p:grpSpPr>
+      <p:sp>
+        <p:nvSpPr>
+          <p:cNvPr id="2" name="Title 1">
+            <a:extLst>
+              <a:ext uri="{FF2B5EF4-FFF2-40B4-BE49-F238E27FC236}">
+                <a16:creationId xmlns:a16="http://schemas.microsoft.com/office/drawing/2014/main" id="{97607BAF-15A9-8418-76B8-A76F515A34EE}"/>
+              </a:ext>
+            </a:extLst>
+          </p:cNvPr>
+          <p:cNvSpPr>
+            <a:spLocks noGrp="1"/>
+          </p:cNvSpPr>
+          <p:nvPr>
+            <p:ph type="title"/>
+          </p:nvPr>
+        </p:nvSpPr>
+        <p:spPr/>
+        <p:txBody>
+          <a:bodyPr/>
+          <a:lstStyle/>
+          <a:p>
+            <a:pPr algn="ctr"/>
+            <a:r>
+              <a:rPr lang="en-GB" dirty="0"/>
+              <a:t>Basic - </a:t>
+            </a:r>
+            <a:r>
+              <a:rPr lang="en-US" dirty="0"/>
+              <a:t>Set up the Q-learning parameters (gamma, alpha) and policy</a:t>
+            </a:r>
+            <a:endParaRPr lang="en-GB" dirty="0"/>
+          </a:p>
+        </p:txBody>
+      </p:sp>
+      <p:sp>
+        <p:nvSpPr>
+          <p:cNvPr id="3" name="Content Placeholder 2">
+            <a:extLst>
+              <a:ext uri="{FF2B5EF4-FFF2-40B4-BE49-F238E27FC236}">
+                <a16:creationId xmlns:a16="http://schemas.microsoft.com/office/drawing/2014/main" id="{2C0E4D82-B971-6BDC-6DFE-A388C2A09D17}"/>
+              </a:ext>
+            </a:extLst>
+          </p:cNvPr>
+          <p:cNvSpPr>
+            <a:spLocks noGrp="1"/>
+          </p:cNvSpPr>
+          <p:nvPr>
+            <p:ph idx="1"/>
+          </p:nvPr>
+        </p:nvSpPr>
+        <p:spPr/>
+        <p:txBody>
+          <a:bodyPr/>
+          <a:lstStyle/>
+          <a:p>
+            <a:r>
+              <a:rPr lang="en-GB" dirty="0"/>
+              <a:t>We setup our Q-learning algorithm as a function and then grid-searched through it in parallel using Python’s multi-processing library in order to get the best parameters in a reasonable amount of time</a:t>
+            </a:r>
+          </a:p>
+          <a:p>
+            <a:r>
+              <a:rPr lang="en-GB" dirty="0"/>
+              <a:t>Alpha (learning rate): 1</a:t>
+            </a:r>
+          </a:p>
+          <a:p>
+            <a:r>
+              <a:rPr lang="en-GB" dirty="0"/>
+              <a:t>Gamma (discount for future rewards): 0.8</a:t>
+            </a:r>
+          </a:p>
+          <a:p>
+            <a:r>
+              <a:rPr lang="en-GB" dirty="0"/>
+              <a:t>Epsilon (chance of exploiting over exploring): 0.9</a:t>
+            </a:r>
+          </a:p>
+          <a:p>
+            <a:r>
+              <a:rPr lang="en-GB" dirty="0"/>
+              <a:t>Number of episodes (not grid searched for): 1000</a:t>
+            </a:r>
+          </a:p>
+          <a:p>
+            <a:endParaRPr lang="en-GB" dirty="0"/>
+          </a:p>
+        </p:txBody>
+      </p:sp>
+      <p:pic>
+        <p:nvPicPr>
+          <p:cNvPr id="5" name="Picture 4" descr="Text&#10;&#10;Description automatically generated">
+            <a:extLst>
+              <a:ext uri="{FF2B5EF4-FFF2-40B4-BE49-F238E27FC236}">
+                <a16:creationId xmlns:a16="http://schemas.microsoft.com/office/drawing/2014/main" id="{268B2762-A696-C153-D74B-D1D563890C6F}"/>
+              </a:ext>
+            </a:extLst>
+          </p:cNvPr>
+          <p:cNvPicPr>
+            <a:picLocks noChangeAspect="1"/>
+          </p:cNvPicPr>
+          <p:nvPr/>
+        </p:nvPicPr>
+        <p:blipFill>
+          <a:blip r:embed="rId3">
+            <a:extLst>
+              <a:ext uri="{28A0092B-C50C-407E-A947-70E740481C1C}">
+                <a14:useLocalDpi xmlns:a14="http://schemas.microsoft.com/office/drawing/2010/main" val="0"/>
+              </a:ext>
+            </a:extLst>
+          </a:blip>
+          <a:stretch>
+            <a:fillRect/>
+          </a:stretch>
+        </p:blipFill>
+        <p:spPr>
+          <a:xfrm>
+            <a:off x="0" y="5267103"/>
+            <a:ext cx="5782482" cy="1590897"/>
+          </a:xfrm>
+          <a:prstGeom prst="rect">
+            <a:avLst/>
+          </a:prstGeom>
+        </p:spPr>
+      </p:pic>
+    </p:spTree>
+    <p:extLst>
+      <p:ext uri="{BB962C8B-B14F-4D97-AF65-F5344CB8AC3E}">
+        <p14:creationId xmlns:p14="http://schemas.microsoft.com/office/powerpoint/2010/main" val="1539696092"/>
+      </p:ext>
+    </p:extLst>
+  </p:cSld>
+  <p:clrMapOvr>
+    <a:masterClrMapping/>
+  </p:clrMapOvr>
+</p:sld>
+</file>
+
+<file path=ppt/slides/slide5.xml><?xml version="1.0" encoding="utf-8"?>
+<p:sld xmlns:a="http://schemas.openxmlformats.org/drawingml/2006/main" xmlns:r="http://schemas.openxmlformats.org/officeDocument/2006/relationships" xmlns:p="http://schemas.openxmlformats.org/presentationml/2006/main">
+  <p:cSld>
+    <p:spTree>
+      <p:nvGrpSpPr>
+        <p:cNvPr id="1" name=""/>
+        <p:cNvGrpSpPr/>
+        <p:nvPr/>
+      </p:nvGrpSpPr>
+      <p:grpSpPr>
+        <a:xfrm>
+          <a:off x="0" y="0"/>
+          <a:ext cx="0" cy="0"/>
+          <a:chOff x="0" y="0"/>
+          <a:chExt cx="0" cy="0"/>
+        </a:xfrm>
+      </p:grpSpPr>
+      <p:sp>
+        <p:nvSpPr>
+          <p:cNvPr id="2" name="Title 1">
+            <a:extLst>
+              <a:ext uri="{FF2B5EF4-FFF2-40B4-BE49-F238E27FC236}">
+                <a16:creationId xmlns:a16="http://schemas.microsoft.com/office/drawing/2014/main" id="{57555795-2C5E-125E-7DA7-503ABE8A3669}"/>
+              </a:ext>
+            </a:extLst>
+          </p:cNvPr>
+          <p:cNvSpPr>
+            <a:spLocks noGrp="1"/>
+          </p:cNvSpPr>
+          <p:nvPr>
+            <p:ph type="title"/>
+          </p:nvPr>
+        </p:nvSpPr>
+        <p:spPr/>
+        <p:txBody>
+          <a:bodyPr/>
+          <a:lstStyle/>
+          <a:p>
+            <a:pPr algn="ctr"/>
+            <a:r>
+              <a:rPr lang="en-GB" dirty="0"/>
+              <a:t>Basic – Run the Q-learning algorithm and represent its performance</a:t>
+            </a:r>
+          </a:p>
+        </p:txBody>
+      </p:sp>
+      <p:sp>
+        <p:nvSpPr>
+          <p:cNvPr id="3" name="Content Placeholder 2">
+            <a:extLst>
+              <a:ext uri="{FF2B5EF4-FFF2-40B4-BE49-F238E27FC236}">
+                <a16:creationId xmlns:a16="http://schemas.microsoft.com/office/drawing/2014/main" id="{0FB4483C-8D5E-1E23-ADCE-612B04BAD2C4}"/>
+              </a:ext>
+            </a:extLst>
+          </p:cNvPr>
+          <p:cNvSpPr>
+            <a:spLocks noGrp="1"/>
+          </p:cNvSpPr>
+          <p:nvPr>
+            <p:ph idx="1"/>
+          </p:nvPr>
+        </p:nvSpPr>
+        <p:spPr/>
+        <p:txBody>
+          <a:bodyPr/>
+          <a:lstStyle/>
+          <a:p>
+            <a:r>
+              <a:rPr lang="en-GB" dirty="0"/>
+              <a:t>We used our grid-search from earlier, feeding in the same values repeatedly so that we could collect various statistics easily</a:t>
+            </a:r>
+          </a:p>
+          <a:p>
+            <a:r>
+              <a:rPr lang="en-GB" dirty="0"/>
+              <a:t>We set our Q-Learning algorithm to collect the mean health of the agent, the mean reward, the Q matrix variance and the number of episodes</a:t>
+            </a:r>
+          </a:p>
+          <a:p>
+            <a:r>
+              <a:rPr lang="en-GB" dirty="0"/>
+              <a:t>Using the </a:t>
+            </a:r>
+            <a:r>
+              <a:rPr lang="en-GB" dirty="0" err="1"/>
+              <a:t>dataframe</a:t>
+            </a:r>
+            <a:r>
+              <a:rPr lang="en-GB" dirty="0"/>
+              <a:t> of these we built various graphs to show its performance</a:t>
+            </a:r>
+          </a:p>
+          <a:p>
+            <a:endParaRPr lang="en-GB" dirty="0"/>
+          </a:p>
+        </p:txBody>
+      </p:sp>
+      <p:pic>
+        <p:nvPicPr>
+          <p:cNvPr id="7" name="Picture 6" descr="Text&#10;&#10;Description automatically generated with low confidence">
+            <a:extLst>
+              <a:ext uri="{FF2B5EF4-FFF2-40B4-BE49-F238E27FC236}">
+                <a16:creationId xmlns:a16="http://schemas.microsoft.com/office/drawing/2014/main" id="{F7A5C79B-A9BB-4552-55BC-246D85D3965F}"/>
+              </a:ext>
+            </a:extLst>
+          </p:cNvPr>
+          <p:cNvPicPr>
+            <a:picLocks noChangeAspect="1"/>
+          </p:cNvPicPr>
+          <p:nvPr/>
+        </p:nvPicPr>
+        <p:blipFill>
+          <a:blip r:embed="rId3">
+            <a:extLst>
+              <a:ext uri="{28A0092B-C50C-407E-A947-70E740481C1C}">
+                <a14:useLocalDpi xmlns:a14="http://schemas.microsoft.com/office/drawing/2010/main" val="0"/>
+              </a:ext>
+            </a:extLst>
+          </a:blip>
+          <a:stretch>
+            <a:fillRect/>
+          </a:stretch>
+        </p:blipFill>
+        <p:spPr>
+          <a:xfrm>
+            <a:off x="2855495" y="4822416"/>
+            <a:ext cx="7026442" cy="2035584"/>
+          </a:xfrm>
+          <a:prstGeom prst="rect">
+            <a:avLst/>
+          </a:prstGeom>
+        </p:spPr>
+      </p:pic>
+    </p:spTree>
+    <p:extLst>
+      <p:ext uri="{BB962C8B-B14F-4D97-AF65-F5344CB8AC3E}">
+        <p14:creationId xmlns:p14="http://schemas.microsoft.com/office/powerpoint/2010/main" val="2129201171"/>
+      </p:ext>
+    </p:extLst>
+  </p:cSld>
+  <p:clrMapOvr>
+    <a:masterClrMapping/>
+  </p:clrMapOvr>
+</p:sld>
+</file>
+
+<file path=ppt/slides/slide6.xml><?xml version="1.0" encoding="utf-8"?>
+<p:sld xmlns:a="http://schemas.openxmlformats.org/drawingml/2006/main" xmlns:r="http://schemas.openxmlformats.org/officeDocument/2006/relationships" xmlns:p="http://schemas.openxmlformats.org/presentationml/2006/main">
+  <p:cSld>
+    <p:spTree>
+      <p:nvGrpSpPr>
+        <p:cNvPr id="1" name=""/>
+        <p:cNvGrpSpPr/>
+        <p:nvPr/>
+      </p:nvGrpSpPr>
+      <p:grpSpPr>
+        <a:xfrm>
+          <a:off x="0" y="0"/>
+          <a:ext cx="0" cy="0"/>
+          <a:chOff x="0" y="0"/>
+          <a:chExt cx="0" cy="0"/>
+        </a:xfrm>
+      </p:grpSpPr>
+      <p:sp>
+        <p:nvSpPr>
+          <p:cNvPr id="2" name="Title 1">
+            <a:extLst>
+              <a:ext uri="{FF2B5EF4-FFF2-40B4-BE49-F238E27FC236}">
+                <a16:creationId xmlns:a16="http://schemas.microsoft.com/office/drawing/2014/main" id="{1882A0C2-9719-38BC-96DC-958412F1241A}"/>
+              </a:ext>
+            </a:extLst>
+          </p:cNvPr>
+          <p:cNvSpPr>
+            <a:spLocks noGrp="1"/>
+          </p:cNvSpPr>
+          <p:nvPr>
+            <p:ph type="title"/>
+          </p:nvPr>
+        </p:nvSpPr>
+        <p:spPr/>
+        <p:txBody>
+          <a:bodyPr/>
+          <a:lstStyle/>
+          <a:p>
+            <a:pPr algn="ctr"/>
+            <a:r>
+              <a:rPr lang="en-GB" dirty="0"/>
+              <a:t>Basic – Repeat the experiment with different parameter values, and policies</a:t>
+            </a:r>
+          </a:p>
+        </p:txBody>
+      </p:sp>
+      <p:sp>
+        <p:nvSpPr>
+          <p:cNvPr id="3" name="Content Placeholder 2">
+            <a:extLst>
+              <a:ext uri="{FF2B5EF4-FFF2-40B4-BE49-F238E27FC236}">
+                <a16:creationId xmlns:a16="http://schemas.microsoft.com/office/drawing/2014/main" id="{4E95F1FE-E07F-90CB-54B3-9A23DDE90600}"/>
+              </a:ext>
+            </a:extLst>
+          </p:cNvPr>
+          <p:cNvSpPr>
+            <a:spLocks noGrp="1"/>
+          </p:cNvSpPr>
+          <p:nvPr>
+            <p:ph idx="1"/>
+          </p:nvPr>
+        </p:nvSpPr>
+        <p:spPr/>
+        <p:txBody>
+          <a:bodyPr/>
+          <a:lstStyle/>
+          <a:p>
+            <a:r>
+              <a:rPr lang="en-GB" dirty="0"/>
+              <a:t>From our earlier grid searches, we looked for other interesting parameters and also looked at holding the Gamma stationary while changing the Alpha parameter (and vice versa). As we already had all of the code from earlier to collect the statistics we plugged the data into various graphs:</a:t>
+            </a:r>
+          </a:p>
+        </p:txBody>
+      </p:sp>
+      <p:pic>
+        <p:nvPicPr>
+          <p:cNvPr id="5" name="Picture 4" descr="Chart&#10;&#10;Description automatically generated">
+            <a:extLst>
+              <a:ext uri="{FF2B5EF4-FFF2-40B4-BE49-F238E27FC236}">
+                <a16:creationId xmlns:a16="http://schemas.microsoft.com/office/drawing/2014/main" id="{6B844E33-B92B-D724-864E-928F353B7791}"/>
+              </a:ext>
+            </a:extLst>
+          </p:cNvPr>
+          <p:cNvPicPr>
+            <a:picLocks noChangeAspect="1"/>
+          </p:cNvPicPr>
+          <p:nvPr/>
+        </p:nvPicPr>
+        <p:blipFill>
+          <a:blip r:embed="rId3">
+            <a:extLst>
+              <a:ext uri="{28A0092B-C50C-407E-A947-70E740481C1C}">
+                <a14:useLocalDpi xmlns:a14="http://schemas.microsoft.com/office/drawing/2010/main" val="0"/>
+              </a:ext>
+            </a:extLst>
+          </a:blip>
+          <a:stretch>
+            <a:fillRect/>
+          </a:stretch>
+        </p:blipFill>
+        <p:spPr>
+          <a:xfrm>
+            <a:off x="4162813" y="3429000"/>
+            <a:ext cx="3866373" cy="3429000"/>
+          </a:xfrm>
+          <a:prstGeom prst="rect">
+            <a:avLst/>
+          </a:prstGeom>
+        </p:spPr>
+      </p:pic>
+    </p:spTree>
+    <p:extLst>
+      <p:ext uri="{BB962C8B-B14F-4D97-AF65-F5344CB8AC3E}">
+        <p14:creationId xmlns:p14="http://schemas.microsoft.com/office/powerpoint/2010/main" val="1018939372"/>
+      </p:ext>
+    </p:extLst>
+  </p:cSld>
+  <p:clrMapOvr>
+    <a:masterClrMapping/>
+  </p:clrMapOvr>
+</p:sld>
+</file>
+
+<file path=ppt/slides/slide7.xml><?xml version="1.0" encoding="utf-8"?>
+<p:sld xmlns:a="http://schemas.openxmlformats.org/drawingml/2006/main" xmlns:r="http://schemas.openxmlformats.org/officeDocument/2006/relationships" xmlns:p="http://schemas.openxmlformats.org/presentationml/2006/main">
+  <p:cSld>
+    <p:spTree>
+      <p:nvGrpSpPr>
+        <p:cNvPr id="1" name=""/>
+        <p:cNvGrpSpPr/>
+        <p:nvPr/>
+      </p:nvGrpSpPr>
+      <p:grpSpPr>
+        <a:xfrm>
+          <a:off x="0" y="0"/>
+          <a:ext cx="0" cy="0"/>
+          <a:chOff x="0" y="0"/>
+          <a:chExt cx="0" cy="0"/>
+        </a:xfrm>
+      </p:grpSpPr>
+      <p:sp>
+        <p:nvSpPr>
+          <p:cNvPr id="2" name="Title 1">
+            <a:extLst>
+              <a:ext uri="{FF2B5EF4-FFF2-40B4-BE49-F238E27FC236}">
+                <a16:creationId xmlns:a16="http://schemas.microsoft.com/office/drawing/2014/main" id="{64FB86F2-DF3A-77B3-7BD4-AA10AC19CFCC}"/>
+              </a:ext>
+            </a:extLst>
+          </p:cNvPr>
+          <p:cNvSpPr>
+            <a:spLocks noGrp="1"/>
+          </p:cNvSpPr>
+          <p:nvPr>
+            <p:ph type="title"/>
+          </p:nvPr>
+        </p:nvSpPr>
+        <p:spPr/>
+        <p:txBody>
+          <a:bodyPr/>
+          <a:lstStyle/>
+          <a:p>
+            <a:pPr algn="ctr"/>
+            <a:r>
+              <a:rPr lang="en-GB" dirty="0"/>
+              <a:t>Basic – Analyse the results quantitatively and qualitatively</a:t>
+            </a:r>
+          </a:p>
+        </p:txBody>
+      </p:sp>
+      <p:sp>
+        <p:nvSpPr>
+          <p:cNvPr id="3" name="Content Placeholder 2">
+            <a:extLst>
+              <a:ext uri="{FF2B5EF4-FFF2-40B4-BE49-F238E27FC236}">
+                <a16:creationId xmlns:a16="http://schemas.microsoft.com/office/drawing/2014/main" id="{67499149-D1D8-5FB3-89C0-493CE7B4E5DA}"/>
+              </a:ext>
+            </a:extLst>
+          </p:cNvPr>
+          <p:cNvSpPr>
+            <a:spLocks noGrp="1"/>
+          </p:cNvSpPr>
+          <p:nvPr>
+            <p:ph idx="1"/>
+          </p:nvPr>
+        </p:nvSpPr>
+        <p:spPr/>
+        <p:txBody>
+          <a:bodyPr/>
+          <a:lstStyle/>
+          <a:p>
+            <a:r>
+              <a:rPr lang="en-GB" dirty="0"/>
+              <a:t>From our grid search code we could repeatedly run the Q-algorithm to gather data on its performance</a:t>
+            </a:r>
+          </a:p>
+        </p:txBody>
+      </p:sp>
+      <p:pic>
+        <p:nvPicPr>
+          <p:cNvPr id="5" name="Picture 4" descr="Text&#10;&#10;Description automatically generated">
+            <a:extLst>
+              <a:ext uri="{FF2B5EF4-FFF2-40B4-BE49-F238E27FC236}">
+                <a16:creationId xmlns:a16="http://schemas.microsoft.com/office/drawing/2014/main" id="{C9DE7985-50CD-F28E-585B-7B7EE90D8FEC}"/>
+              </a:ext>
+            </a:extLst>
+          </p:cNvPr>
+          <p:cNvPicPr>
+            <a:picLocks noChangeAspect="1"/>
+          </p:cNvPicPr>
+          <p:nvPr/>
+        </p:nvPicPr>
+        <p:blipFill>
+          <a:blip r:embed="rId3">
+            <a:extLst>
+              <a:ext uri="{28A0092B-C50C-407E-A947-70E740481C1C}">
+                <a14:useLocalDpi xmlns:a14="http://schemas.microsoft.com/office/drawing/2010/main" val="0"/>
+              </a:ext>
+            </a:extLst>
+          </a:blip>
+          <a:stretch>
+            <a:fillRect/>
+          </a:stretch>
+        </p:blipFill>
+        <p:spPr>
+          <a:xfrm>
+            <a:off x="0" y="3047468"/>
+            <a:ext cx="6525536" cy="3810532"/>
+          </a:xfrm>
+          <a:prstGeom prst="rect">
+            <a:avLst/>
+          </a:prstGeom>
+        </p:spPr>
+      </p:pic>
+      <p:pic>
+        <p:nvPicPr>
+          <p:cNvPr id="7" name="Picture 6" descr="Chart, scatter chart&#10;&#10;Description automatically generated">
+            <a:extLst>
+              <a:ext uri="{FF2B5EF4-FFF2-40B4-BE49-F238E27FC236}">
+                <a16:creationId xmlns:a16="http://schemas.microsoft.com/office/drawing/2014/main" id="{4E0A53A5-3573-7EC8-07DA-7CC410857AD2}"/>
+              </a:ext>
+            </a:extLst>
+          </p:cNvPr>
+          <p:cNvPicPr>
+            <a:picLocks noChangeAspect="1"/>
+          </p:cNvPicPr>
+          <p:nvPr/>
+        </p:nvPicPr>
+        <p:blipFill>
+          <a:blip r:embed="rId4">
+            <a:extLst>
+              <a:ext uri="{28A0092B-C50C-407E-A947-70E740481C1C}">
+                <a14:useLocalDpi xmlns:a14="http://schemas.microsoft.com/office/drawing/2010/main" val="0"/>
+              </a:ext>
+            </a:extLst>
+          </a:blip>
+          <a:stretch>
+            <a:fillRect/>
+          </a:stretch>
+        </p:blipFill>
+        <p:spPr>
+          <a:xfrm>
+            <a:off x="6525536" y="3838154"/>
+            <a:ext cx="5877745" cy="3019846"/>
+          </a:xfrm>
+          <a:prstGeom prst="rect">
+            <a:avLst/>
+          </a:prstGeom>
+        </p:spPr>
+      </p:pic>
+    </p:spTree>
+    <p:extLst>
+      <p:ext uri="{BB962C8B-B14F-4D97-AF65-F5344CB8AC3E}">
+        <p14:creationId xmlns:p14="http://schemas.microsoft.com/office/powerpoint/2010/main" val="2909296328"/>
+      </p:ext>
+    </p:extLst>
+  </p:cSld>
+  <p:clrMapOvr>
+    <a:masterClrMapping/>
+  </p:clrMapOvr>
+</p:sld>
+</file>
+
+<file path=ppt/slides/slide8.xml><?xml version="1.0" encoding="utf-8"?>
+<p:sld xmlns:a="http://schemas.openxmlformats.org/drawingml/2006/main" xmlns:r="http://schemas.openxmlformats.org/officeDocument/2006/relationships" xmlns:p="http://schemas.openxmlformats.org/presentationml/2006/main">
+  <p:cSld>
+    <p:spTree>
+      <p:nvGrpSpPr>
+        <p:cNvPr id="1" name=""/>
+        <p:cNvGrpSpPr/>
+        <p:nvPr/>
+      </p:nvGrpSpPr>
+      <p:grpSpPr>
+        <a:xfrm>
+          <a:off x="0" y="0"/>
+          <a:ext cx="0" cy="0"/>
+          <a:chOff x="0" y="0"/>
+          <a:chExt cx="0" cy="0"/>
+        </a:xfrm>
+      </p:grpSpPr>
+      <p:sp>
+        <p:nvSpPr>
+          <p:cNvPr id="2" name="Title 1">
+            <a:extLst>
+              <a:ext uri="{FF2B5EF4-FFF2-40B4-BE49-F238E27FC236}">
+                <a16:creationId xmlns:a16="http://schemas.microsoft.com/office/drawing/2014/main" id="{10B90FB4-D4E2-A5C2-2AE9-28D5C58314DF}"/>
+              </a:ext>
+            </a:extLst>
+          </p:cNvPr>
+          <p:cNvSpPr>
+            <a:spLocks noGrp="1"/>
+          </p:cNvSpPr>
+          <p:nvPr>
+            <p:ph type="title"/>
+          </p:nvPr>
+        </p:nvSpPr>
+        <p:spPr/>
+        <p:txBody>
+          <a:bodyPr/>
+          <a:lstStyle/>
+          <a:p>
+            <a:pPr algn="ctr"/>
+            <a:r>
+              <a:rPr lang="en-GB" dirty="0"/>
+              <a:t>Advanced-Implement DQN with two improvements, Double Q</a:t>
+            </a:r>
+          </a:p>
+        </p:txBody>
+      </p:sp>
+      <p:sp>
+        <p:nvSpPr>
+          <p:cNvPr id="3" name="Content Placeholder 2">
+            <a:extLst>
+              <a:ext uri="{FF2B5EF4-FFF2-40B4-BE49-F238E27FC236}">
+                <a16:creationId xmlns:a16="http://schemas.microsoft.com/office/drawing/2014/main" id="{E36D564E-A3C5-0513-BA81-632E0467A869}"/>
+              </a:ext>
+            </a:extLst>
+          </p:cNvPr>
+          <p:cNvSpPr>
+            <a:spLocks noGrp="1"/>
+          </p:cNvSpPr>
+          <p:nvPr>
+            <p:ph idx="1"/>
+          </p:nvPr>
+        </p:nvSpPr>
+        <p:spPr/>
+        <p:txBody>
+          <a:bodyPr>
+            <a:normAutofit fontScale="92500" lnSpcReduction="10000"/>
+          </a:bodyPr>
+          <a:lstStyle/>
+          <a:p>
+            <a:r>
+              <a:rPr lang="en-GB" dirty="0"/>
+              <a:t>We used a more advanced version of our basic map as our environment</a:t>
+            </a:r>
+          </a:p>
+          <a:p>
+            <a:r>
+              <a:rPr lang="en-GB" dirty="0"/>
+              <a:t>Using </a:t>
+            </a:r>
+            <a:r>
+              <a:rPr lang="en-GB" dirty="0" err="1"/>
+              <a:t>RLLib</a:t>
+            </a:r>
+            <a:r>
+              <a:rPr lang="en-GB" dirty="0"/>
+              <a:t> we grid searched to get the best hyper-parameters</a:t>
+            </a:r>
+          </a:p>
+          <a:p>
+            <a:r>
+              <a:rPr lang="en-GB" dirty="0"/>
+              <a:t>We setup our neural network based upon this</a:t>
+            </a:r>
+          </a:p>
+          <a:p>
+            <a:r>
+              <a:rPr lang="en-GB" dirty="0"/>
+              <a:t>Our replay memory was based on the one from </a:t>
+            </a:r>
+            <a:r>
+              <a:rPr lang="en-GB" dirty="0" err="1"/>
+              <a:t>PyTorch</a:t>
+            </a:r>
+            <a:r>
+              <a:rPr lang="en-GB" dirty="0"/>
+              <a:t> which uses a dequeue</a:t>
+            </a:r>
+          </a:p>
+          <a:p>
+            <a:r>
+              <a:rPr lang="en-GB" dirty="0"/>
+              <a:t>So that we did not repeat code (too much) in the optimise model function we had an if statement to check if we were running in Double Q mode. If we were we predicted the column from the main DQN model and then got the target from the target network for that column. Otherwise we just got the biggest column from the target network. Then we compared the Q values and expected Q together</a:t>
+            </a:r>
+          </a:p>
+        </p:txBody>
+      </p:sp>
+    </p:spTree>
+    <p:extLst>
+      <p:ext uri="{BB962C8B-B14F-4D97-AF65-F5344CB8AC3E}">
+        <p14:creationId xmlns:p14="http://schemas.microsoft.com/office/powerpoint/2010/main" val="124352695"/>
+      </p:ext>
+    </p:extLst>
+  </p:cSld>
+  <p:clrMapOvr>
+    <a:masterClrMapping/>
+  </p:clrMapOvr>
+</p:sld>
+</file>
+
+<file path=ppt/slides/slide9.xml><?xml version="1.0" encoding="utf-8"?>
+<p:sld xmlns:a="http://schemas.openxmlformats.org/drawingml/2006/main" xmlns:r="http://schemas.openxmlformats.org/officeDocument/2006/relationships" xmlns:p="http://schemas.openxmlformats.org/presentationml/2006/main">
+  <p:cSld>
+    <p:spTree>
+      <p:nvGrpSpPr>
+        <p:cNvPr id="1" name=""/>
+        <p:cNvGrpSpPr/>
+        <p:nvPr/>
+      </p:nvGrpSpPr>
+      <p:grpSpPr>
+        <a:xfrm>
+          <a:off x="0" y="0"/>
+          <a:ext cx="0" cy="0"/>
+          <a:chOff x="0" y="0"/>
+          <a:chExt cx="0" cy="0"/>
+        </a:xfrm>
+      </p:grpSpPr>
+      <p:sp>
+        <p:nvSpPr>
+          <p:cNvPr id="2" name="Title 1">
+            <a:extLst>
+              <a:ext uri="{FF2B5EF4-FFF2-40B4-BE49-F238E27FC236}">
+                <a16:creationId xmlns:a16="http://schemas.microsoft.com/office/drawing/2014/main" id="{B620F464-F8F7-FF50-BDCD-94C19F88AA5F}"/>
+              </a:ext>
+            </a:extLst>
+          </p:cNvPr>
+          <p:cNvSpPr>
+            <a:spLocks noGrp="1"/>
+          </p:cNvSpPr>
+          <p:nvPr>
+            <p:ph type="title"/>
+          </p:nvPr>
+        </p:nvSpPr>
+        <p:spPr/>
+        <p:txBody>
+          <a:bodyPr/>
+          <a:lstStyle/>
+          <a:p>
+            <a:r>
+              <a:rPr lang="en-GB" dirty="0"/>
+              <a:t>Advanced-Implement DQN with two improvements, Prioritised Replay</a:t>
+            </a:r>
+          </a:p>
+        </p:txBody>
+      </p:sp>
+      <p:sp>
+        <p:nvSpPr>
+          <p:cNvPr id="3" name="Content Placeholder 2">
+            <a:extLst>
+              <a:ext uri="{FF2B5EF4-FFF2-40B4-BE49-F238E27FC236}">
+                <a16:creationId xmlns:a16="http://schemas.microsoft.com/office/drawing/2014/main" id="{E30697FF-3064-91F4-BB1F-719F86CFE93A}"/>
+              </a:ext>
+            </a:extLst>
+          </p:cNvPr>
+          <p:cNvSpPr>
+            <a:spLocks noGrp="1"/>
+          </p:cNvSpPr>
+          <p:nvPr>
+            <p:ph idx="1"/>
+          </p:nvPr>
+        </p:nvSpPr>
+        <p:spPr/>
+        <p:txBody>
+          <a:bodyPr/>
+          <a:lstStyle/>
+          <a:p>
+            <a:r>
+              <a:rPr lang="en-GB" dirty="0"/>
+              <a:t>The prioritised replay memory inherited from the replay memory class. Adding the sample function to work out the priority of the memory sample and returning that and the weights</a:t>
+            </a:r>
+          </a:p>
+          <a:p>
+            <a:r>
+              <a:rPr lang="en-GB" dirty="0"/>
+              <a:t>The optimise model function then had an extra section added to it (it was a new function with old one copied to it) which used the equations from the prioritised replay paper to create a weighted RMSE for the loss</a:t>
+            </a:r>
+          </a:p>
+          <a:p>
+            <a:r>
+              <a:rPr lang="en-GB" dirty="0"/>
+              <a:t>The new weights were then written back to the prioritised memory</a:t>
+            </a:r>
+          </a:p>
+        </p:txBody>
+      </p:sp>
+      <p:pic>
+        <p:nvPicPr>
+          <p:cNvPr id="5" name="Picture 4" descr="Diagram&#10;&#10;Description automatically generated with medium confidence">
+            <a:extLst>
+              <a:ext uri="{FF2B5EF4-FFF2-40B4-BE49-F238E27FC236}">
+                <a16:creationId xmlns:a16="http://schemas.microsoft.com/office/drawing/2014/main" id="{E71A5268-318C-C4C1-E770-3E329173F1A0}"/>
+              </a:ext>
+            </a:extLst>
+          </p:cNvPr>
+          <p:cNvPicPr>
+            <a:picLocks noChangeAspect="1"/>
+          </p:cNvPicPr>
+          <p:nvPr/>
+        </p:nvPicPr>
+        <p:blipFill>
+          <a:blip r:embed="rId3">
+            <a:extLst>
+              <a:ext uri="{28A0092B-C50C-407E-A947-70E740481C1C}">
+                <a14:useLocalDpi xmlns:a14="http://schemas.microsoft.com/office/drawing/2010/main" val="0"/>
+              </a:ext>
+            </a:extLst>
+          </a:blip>
+          <a:stretch>
+            <a:fillRect/>
+          </a:stretch>
+        </p:blipFill>
+        <p:spPr>
+          <a:xfrm>
+            <a:off x="0" y="5857735"/>
+            <a:ext cx="5001323" cy="1000265"/>
+          </a:xfrm>
+          <a:prstGeom prst="rect">
+            <a:avLst/>
+          </a:prstGeom>
+        </p:spPr>
+      </p:pic>
+      <p:pic>
+        <p:nvPicPr>
+          <p:cNvPr id="7" name="Picture 6" descr="Text&#10;&#10;Description automatically generated">
+            <a:extLst>
+              <a:ext uri="{FF2B5EF4-FFF2-40B4-BE49-F238E27FC236}">
+                <a16:creationId xmlns:a16="http://schemas.microsoft.com/office/drawing/2014/main" id="{A327D3A7-1C7F-0B62-66F6-A50C52D8D936}"/>
+              </a:ext>
+            </a:extLst>
+          </p:cNvPr>
+          <p:cNvPicPr>
+            <a:picLocks noChangeAspect="1"/>
+          </p:cNvPicPr>
+          <p:nvPr/>
+        </p:nvPicPr>
+        <p:blipFill>
+          <a:blip r:embed="rId4">
+            <a:extLst>
+              <a:ext uri="{28A0092B-C50C-407E-A947-70E740481C1C}">
+                <a14:useLocalDpi xmlns:a14="http://schemas.microsoft.com/office/drawing/2010/main" val="0"/>
+              </a:ext>
+            </a:extLst>
+          </a:blip>
+          <a:stretch>
+            <a:fillRect/>
+          </a:stretch>
+        </p:blipFill>
+        <p:spPr>
+          <a:xfrm>
+            <a:off x="6552413" y="5386277"/>
+            <a:ext cx="5639587" cy="1581371"/>
+          </a:xfrm>
+          <a:prstGeom prst="rect">
+            <a:avLst/>
+          </a:prstGeom>
+        </p:spPr>
+      </p:pic>
+    </p:spTree>
+    <p:extLst>
+      <p:ext uri="{BB962C8B-B14F-4D97-AF65-F5344CB8AC3E}">
+        <p14:creationId xmlns:p14="http://schemas.microsoft.com/office/powerpoint/2010/main" val="2125165412"/>
       </p:ext>
     </p:extLst>
   </p:cSld>
@@ -3705,4 +7664,299 @@
     </a:ext>
   </a:extLst>
 </a:theme>
+</file>
+
+<file path=ppt/theme/theme2.xml><?xml version="1.0" encoding="utf-8"?>
+<a:theme xmlns:a="http://schemas.openxmlformats.org/drawingml/2006/main" name="Office Theme">
+  <a:themeElements>
+    <a:clrScheme name="Office">
+      <a:dk1>
+        <a:sysClr val="windowText" lastClr="000000"/>
+      </a:dk1>
+      <a:lt1>
+        <a:sysClr val="window" lastClr="FFFFFF"/>
+      </a:lt1>
+      <a:dk2>
+        <a:srgbClr val="44546A"/>
+      </a:dk2>
+      <a:lt2>
+        <a:srgbClr val="E7E6E6"/>
+      </a:lt2>
+      <a:accent1>
+        <a:srgbClr val="4472C4"/>
+      </a:accent1>
+      <a:accent2>
+        <a:srgbClr val="ED7D31"/>
+      </a:accent2>
+      <a:accent3>
+        <a:srgbClr val="A5A5A5"/>
+      </a:accent3>
+      <a:accent4>
+        <a:srgbClr val="FFC000"/>
+      </a:accent4>
+      <a:accent5>
+        <a:srgbClr val="5B9BD5"/>
+      </a:accent5>
+      <a:accent6>
+        <a:srgbClr val="70AD47"/>
+      </a:accent6>
+      <a:hlink>
+        <a:srgbClr val="0563C1"/>
+      </a:hlink>
+      <a:folHlink>
+        <a:srgbClr val="954F72"/>
+      </a:folHlink>
+    </a:clrScheme>
+    <a:fontScheme name="Office">
+      <a:majorFont>
+        <a:latin typeface="Calibri Light" panose="020F0302020204030204"/>
+        <a:ea typeface=""/>
+        <a:cs typeface=""/>
+        <a:font script="Jpan" typeface="游ゴシック Light"/>
+        <a:font script="Hang" typeface="맑은 고딕"/>
+        <a:font script="Hans" typeface="等线 Light"/>
+        <a:font script="Hant" typeface="新細明體"/>
+        <a:font script="Arab" typeface="Times New Roman"/>
+        <a:font script="Hebr" typeface="Times New Roman"/>
+        <a:font script="Thai" typeface="Angsana New"/>
+        <a:font script="Ethi" typeface="Nyala"/>
+        <a:font script="Beng" typeface="Vrinda"/>
+        <a:font script="Gujr" typeface="Shruti"/>
+        <a:font script="Khmr" typeface="MoolBoran"/>
+        <a:font script="Knda" typeface="Tunga"/>
+        <a:font script="Guru" typeface="Raavi"/>
+        <a:font script="Cans" typeface="Euphemia"/>
+        <a:font script="Cher" typeface="Plantagenet Cherokee"/>
+        <a:font script="Yiii" typeface="Microsoft Yi Baiti"/>
+        <a:font script="Tibt" typeface="Microsoft Himalaya"/>
+        <a:font script="Thaa" typeface="MV Boli"/>
+        <a:font script="Deva" typeface="Mangal"/>
+        <a:font script="Telu" typeface="Gautami"/>
+        <a:font script="Taml" typeface="Latha"/>
+        <a:font script="Syrc" typeface="Estrangelo Edessa"/>
+        <a:font script="Orya" typeface="Kalinga"/>
+        <a:font script="Mlym" typeface="Kartika"/>
+        <a:font script="Laoo" typeface="DokChampa"/>
+        <a:font script="Sinh" typeface="Iskoola Pota"/>
+        <a:font script="Mong" typeface="Mongolian Baiti"/>
+        <a:font script="Viet" typeface="Times New Roman"/>
+        <a:font script="Uigh" typeface="Microsoft Uighur"/>
+        <a:font script="Geor" typeface="Sylfaen"/>
+        <a:font script="Armn" typeface="Arial"/>
+        <a:font script="Bugi" typeface="Leelawadee UI"/>
+        <a:font script="Bopo" typeface="Microsoft JhengHei"/>
+        <a:font script="Java" typeface="Javanese Text"/>
+        <a:font script="Lisu" typeface="Segoe UI"/>
+        <a:font script="Mymr" typeface="Myanmar Text"/>
+        <a:font script="Nkoo" typeface="Ebrima"/>
+        <a:font script="Olck" typeface="Nirmala UI"/>
+        <a:font script="Osma" typeface="Ebrima"/>
+        <a:font script="Phag" typeface="Phagspa"/>
+        <a:font script="Syrn" typeface="Estrangelo Edessa"/>
+        <a:font script="Syrj" typeface="Estrangelo Edessa"/>
+        <a:font script="Syre" typeface="Estrangelo Edessa"/>
+        <a:font script="Sora" typeface="Nirmala UI"/>
+        <a:font script="Tale" typeface="Microsoft Tai Le"/>
+        <a:font script="Talu" typeface="Microsoft New Tai Lue"/>
+        <a:font script="Tfng" typeface="Ebrima"/>
+      </a:majorFont>
+      <a:minorFont>
+        <a:latin typeface="Calibri" panose="020F0502020204030204"/>
+        <a:ea typeface=""/>
+        <a:cs typeface=""/>
+        <a:font script="Jpan" typeface="游ゴシック"/>
+        <a:font script="Hang" typeface="맑은 고딕"/>
+        <a:font script="Hans" typeface="等线"/>
+        <a:font script="Hant" typeface="新細明體"/>
+        <a:font script="Arab" typeface="Arial"/>
+        <a:font script="Hebr" typeface="Arial"/>
+        <a:font script="Thai" typeface="Cordia New"/>
+        <a:font script="Ethi" typeface="Nyala"/>
+        <a:font script="Beng" typeface="Vrinda"/>
+        <a:font script="Gujr" typeface="Shruti"/>
+        <a:font script="Khmr" typeface="DaunPenh"/>
+        <a:font script="Knda" typeface="Tunga"/>
+        <a:font script="Guru" typeface="Raavi"/>
+        <a:font script="Cans" typeface="Euphemia"/>
+        <a:font script="Cher" typeface="Plantagenet Cherokee"/>
+        <a:font script="Yiii" typeface="Microsoft Yi Baiti"/>
+        <a:font script="Tibt" typeface="Microsoft Himalaya"/>
+        <a:font script="Thaa" typeface="MV Boli"/>
+        <a:font script="Deva" typeface="Mangal"/>
+        <a:font script="Telu" typeface="Gautami"/>
+        <a:font script="Taml" typeface="Latha"/>
+        <a:font script="Syrc" typeface="Estrangelo Edessa"/>
+        <a:font script="Orya" typeface="Kalinga"/>
+        <a:font script="Mlym" typeface="Kartika"/>
+        <a:font script="Laoo" typeface="DokChampa"/>
+        <a:font script="Sinh" typeface="Iskoola Pota"/>
+        <a:font script="Mong" typeface="Mongolian Baiti"/>
+        <a:font script="Viet" typeface="Arial"/>
+        <a:font script="Uigh" typeface="Microsoft Uighur"/>
+        <a:font script="Geor" typeface="Sylfaen"/>
+        <a:font script="Armn" typeface="Arial"/>
+        <a:font script="Bugi" typeface="Leelawadee UI"/>
+        <a:font script="Bopo" typeface="Microsoft JhengHei"/>
+        <a:font script="Java" typeface="Javanese Text"/>
+        <a:font script="Lisu" typeface="Segoe UI"/>
+        <a:font script="Mymr" typeface="Myanmar Text"/>
+        <a:font script="Nkoo" typeface="Ebrima"/>
+        <a:font script="Olck" typeface="Nirmala UI"/>
+        <a:font script="Osma" typeface="Ebrima"/>
+        <a:font script="Phag" typeface="Phagspa"/>
+        <a:font script="Syrn" typeface="Estrangelo Edessa"/>
+        <a:font script="Syrj" typeface="Estrangelo Edessa"/>
+        <a:font script="Syre" typeface="Estrangelo Edessa"/>
+        <a:font script="Sora" typeface="Nirmala UI"/>
+        <a:font script="Tale" typeface="Microsoft Tai Le"/>
+        <a:font script="Talu" typeface="Microsoft New Tai Lue"/>
+        <a:font script="Tfng" typeface="Ebrima"/>
+      </a:minorFont>
+    </a:fontScheme>
+    <a:fmtScheme name="Office">
+      <a:fillStyleLst>
+        <a:solidFill>
+          <a:schemeClr val="phClr"/>
+        </a:solidFill>
+        <a:gradFill rotWithShape="1">
+          <a:gsLst>
+            <a:gs pos="0">
+              <a:schemeClr val="phClr">
+                <a:lumMod val="110000"/>
+                <a:satMod val="105000"/>
+                <a:tint val="67000"/>
+              </a:schemeClr>
+            </a:gs>
+            <a:gs pos="50000">
+              <a:schemeClr val="phClr">
+                <a:lumMod val="105000"/>
+                <a:satMod val="103000"/>
+                <a:tint val="73000"/>
+              </a:schemeClr>
+            </a:gs>
+            <a:gs pos="100000">
+              <a:schemeClr val="phClr">
+                <a:lumMod val="105000"/>
+                <a:satMod val="109000"/>
+                <a:tint val="81000"/>
+              </a:schemeClr>
+            </a:gs>
+          </a:gsLst>
+          <a:lin ang="5400000" scaled="0"/>
+        </a:gradFill>
+        <a:gradFill rotWithShape="1">
+          <a:gsLst>
+            <a:gs pos="0">
+              <a:schemeClr val="phClr">
+                <a:satMod val="103000"/>
+                <a:lumMod val="102000"/>
+                <a:tint val="94000"/>
+              </a:schemeClr>
+            </a:gs>
+            <a:gs pos="50000">
+              <a:schemeClr val="phClr">
+                <a:satMod val="110000"/>
+                <a:lumMod val="100000"/>
+                <a:shade val="100000"/>
+              </a:schemeClr>
+            </a:gs>
+            <a:gs pos="100000">
+              <a:schemeClr val="phClr">
+                <a:lumMod val="99000"/>
+                <a:satMod val="120000"/>
+                <a:shade val="78000"/>
+              </a:schemeClr>
+            </a:gs>
+          </a:gsLst>
+          <a:lin ang="5400000" scaled="0"/>
+        </a:gradFill>
+      </a:fillStyleLst>
+      <a:lnStyleLst>
+        <a:ln w="6350" cap="flat" cmpd="sng" algn="ctr">
+          <a:solidFill>
+            <a:schemeClr val="phClr"/>
+          </a:solidFill>
+          <a:prstDash val="solid"/>
+          <a:miter lim="800000"/>
+        </a:ln>
+        <a:ln w="12700" cap="flat" cmpd="sng" algn="ctr">
+          <a:solidFill>
+            <a:schemeClr val="phClr"/>
+          </a:solidFill>
+          <a:prstDash val="solid"/>
+          <a:miter lim="800000"/>
+        </a:ln>
+        <a:ln w="19050" cap="flat" cmpd="sng" algn="ctr">
+          <a:solidFill>
+            <a:schemeClr val="phClr"/>
+          </a:solidFill>
+          <a:prstDash val="solid"/>
+          <a:miter lim="800000"/>
+        </a:ln>
+      </a:lnStyleLst>
+      <a:effectStyleLst>
+        <a:effectStyle>
+          <a:effectLst/>
+        </a:effectStyle>
+        <a:effectStyle>
+          <a:effectLst/>
+        </a:effectStyle>
+        <a:effectStyle>
+          <a:effectLst>
+            <a:outerShdw blurRad="57150" dist="19050" dir="5400000" algn="ctr" rotWithShape="0">
+              <a:srgbClr val="000000">
+                <a:alpha val="63000"/>
+              </a:srgbClr>
+            </a:outerShdw>
+          </a:effectLst>
+        </a:effectStyle>
+      </a:effectStyleLst>
+      <a:bgFillStyleLst>
+        <a:solidFill>
+          <a:schemeClr val="phClr"/>
+        </a:solidFill>
+        <a:solidFill>
+          <a:schemeClr val="phClr">
+            <a:tint val="95000"/>
+            <a:satMod val="170000"/>
+          </a:schemeClr>
+        </a:solidFill>
+        <a:gradFill rotWithShape="1">
+          <a:gsLst>
+            <a:gs pos="0">
+              <a:schemeClr val="phClr">
+                <a:tint val="93000"/>
+                <a:satMod val="150000"/>
+                <a:shade val="98000"/>
+                <a:lumMod val="102000"/>
+              </a:schemeClr>
+            </a:gs>
+            <a:gs pos="50000">
+              <a:schemeClr val="phClr">
+                <a:tint val="98000"/>
+                <a:satMod val="130000"/>
+                <a:shade val="90000"/>
+                <a:lumMod val="103000"/>
+              </a:schemeClr>
+            </a:gs>
+            <a:gs pos="100000">
+              <a:schemeClr val="phClr">
+                <a:shade val="63000"/>
+                <a:satMod val="120000"/>
+              </a:schemeClr>
+            </a:gs>
+          </a:gsLst>
+          <a:lin ang="5400000" scaled="0"/>
+        </a:gradFill>
+      </a:bgFillStyleLst>
+    </a:fmtScheme>
+  </a:themeElements>
+  <a:objectDefaults/>
+  <a:extraClrSchemeLst/>
+  <a:extLst>
+    <a:ext uri="{05A4C25C-085E-4340-85A3-A5531E510DB2}">
+      <thm15:themeFamily xmlns:thm15="http://schemas.microsoft.com/office/thememl/2012/main" name="Office Theme" id="{62F939B6-93AF-4DB8-9C6B-D6C7DFDC589F}" vid="{4A3C46E8-61CC-4603-A589-7422A47A8E4A}"/>
+    </a:ext>
+  </a:extLst>
+</a:theme>
 </file>
--- a/presentation.pptx
+++ b/presentation.pptx
@@ -210,7 +210,7 @@
           <a:p>
             <a:fld id="{C05FA28D-DFD6-47A1-925F-423C77A3C5DE}" type="datetimeFigureOut">
               <a:rPr lang="en-GB" smtClean="0"/>
-              <a:t>12/05/2022</a:t>
+              <a:t>19/05/2022</a:t>
             </a:fld>
             <a:endParaRPr lang="en-GB"/>
           </a:p>
@@ -611,6 +611,20 @@
               <a:t>None of our algorithms did particularly well here. </a:t>
             </a:r>
           </a:p>
+          <a:p>
+            <a:r>
+              <a:rPr lang="en-GB" dirty="0"/>
+              <a:t>We had also run an earlier version of our environment (the main change were the reward amounts) through </a:t>
+            </a:r>
+            <a:r>
+              <a:rPr lang="en-GB" dirty="0" err="1"/>
+              <a:t>RLLib’s</a:t>
+            </a:r>
+            <a:r>
+              <a:rPr lang="en-GB" dirty="0"/>
+              <a:t> version of the algorithms, so that we were able to see how it had done. With either improvement improving on the base DQN, but not both.</a:t>
+            </a:r>
+          </a:p>
         </p:txBody>
       </p:sp>
       <p:sp>
@@ -693,7 +707,10 @@
           <a:bodyPr/>
           <a:lstStyle/>
           <a:p>
-            <a:endParaRPr lang="en-GB"/>
+            <a:r>
+              <a:rPr lang="en-GB" dirty="0"/>
+              <a:t>After having some issues in getting the environment working, we were able to start training. With Evolutionary Strategies taking a very long time per epoch</a:t>
+            </a:r>
           </a:p>
         </p:txBody>
       </p:sp>
@@ -872,7 +889,10 @@
           <a:bodyPr/>
           <a:lstStyle/>
           <a:p>
-            <a:endParaRPr lang="en-GB"/>
+            <a:r>
+              <a:rPr lang="en-GB" dirty="0"/>
+              <a:t>Once we had our models from DQN setup, it was relatively straightforward to setup another model to regress whether to explore or exploit</a:t>
+            </a:r>
           </a:p>
         </p:txBody>
       </p:sp>
@@ -1323,7 +1343,33 @@
           <a:p>
             <a:r>
               <a:rPr lang="en-GB" dirty="0"/>
-              <a:t>We had to make sure that the different CPUs used different random seeds for working out whether to explore or exploit, otherwise they return identical values (we should have done the same thing for the random start as well)</a:t>
+              <a:t>Because running each set of values sequentially would take a very long time we used Python’s multi-processing in order to take advantage of the other processor cores.</a:t>
+            </a:r>
+          </a:p>
+          <a:p>
+            <a:endParaRPr lang="en-GB" dirty="0"/>
+          </a:p>
+          <a:p>
+            <a:pPr marL="0" marR="0" lvl="0" indent="0" algn="l" defTabSz="914400" rtl="0" eaLnBrk="1" fontAlgn="auto" latinLnBrk="0" hangingPunct="1">
+              <a:lnSpc>
+                <a:spcPct val="100000"/>
+              </a:lnSpc>
+              <a:spcBef>
+                <a:spcPts val="0"/>
+              </a:spcBef>
+              <a:spcAft>
+                <a:spcPts val="0"/>
+              </a:spcAft>
+              <a:buClrTx/>
+              <a:buSzTx/>
+              <a:buFontTx/>
+              <a:buNone/>
+              <a:tabLst/>
+              <a:defRPr/>
+            </a:pPr>
+            <a:r>
+              <a:rPr lang="en-GB" dirty="0"/>
+              <a:t>We had to make sure that the different CPUs used different random seeds for working out whether to explore or exploit, otherwise they returned identical values (we should have done the same thing for the random start as well).</a:t>
             </a:r>
           </a:p>
         </p:txBody>
@@ -1408,7 +1454,16 @@
           <a:bodyPr/>
           <a:lstStyle/>
           <a:p>
-            <a:endParaRPr lang="en-GB"/>
+            <a:r>
+              <a:rPr lang="en-GB" dirty="0"/>
+              <a:t>As there was a lot of variability in the scores from any individual runs due to differences in the starting position, we took advantage of our grid searching algorithm in order to process many runs at once. This gave us 27 runs worth of data for our model.</a:t>
+            </a:r>
+          </a:p>
+          <a:p>
+            <a:r>
+              <a:rPr lang="en-GB" dirty="0"/>
+              <a:t>As you can see as the Q variance got higher the average rewards got higher.</a:t>
+            </a:r>
           </a:p>
         </p:txBody>
       </p:sp>
@@ -1688,6 +1743,15 @@
               <a:t>dequeue  - like a list but once it hits capacity the first item is dropped to let the next one in</a:t>
             </a:r>
           </a:p>
+          <a:p>
+            <a:endParaRPr lang="en-GB" dirty="0"/>
+          </a:p>
+          <a:p>
+            <a:r>
+              <a:rPr lang="en-GB" dirty="0"/>
+              <a:t>Our main challenge here was working out a way to easily flip between DQN and Double DQN, but it helped that the beginning and end of the algorithm was very similar</a:t>
+            </a:r>
+          </a:p>
         </p:txBody>
       </p:sp>
       <p:sp>
@@ -1773,6 +1837,23 @@
             <a:r>
               <a:rPr lang="en-GB" dirty="0"/>
               <a:t>We could then run Prioritised Replay with the Double Q as well</a:t>
+            </a:r>
+          </a:p>
+          <a:p>
+            <a:endParaRPr lang="en-GB" dirty="0"/>
+          </a:p>
+          <a:p>
+            <a:r>
+              <a:rPr lang="en-GB" dirty="0"/>
+              <a:t>Our main challenge here was in being able to write back the new weights of the memories’ priorities and in creating a loss function which took into account the weights. Fortunately we were able to use </a:t>
+            </a:r>
+            <a:r>
+              <a:rPr lang="en-GB" dirty="0" err="1"/>
+              <a:t>PyTorch’s</a:t>
+            </a:r>
+            <a:r>
+              <a:rPr lang="en-GB" dirty="0"/>
+              <a:t> mean function and used it to generate the weighted RMSE as the loss.</a:t>
             </a:r>
           </a:p>
         </p:txBody>
@@ -1962,7 +2043,7 @@
           <a:p>
             <a:fld id="{14C3C1EA-FC6E-46AC-8386-85E45AD60A19}" type="datetimeFigureOut">
               <a:rPr lang="en-GB" smtClean="0"/>
-              <a:t>12/05/2022</a:t>
+              <a:t>19/05/2022</a:t>
             </a:fld>
             <a:endParaRPr lang="en-GB"/>
           </a:p>
@@ -2162,7 +2243,7 @@
           <a:p>
             <a:fld id="{14C3C1EA-FC6E-46AC-8386-85E45AD60A19}" type="datetimeFigureOut">
               <a:rPr lang="en-GB" smtClean="0"/>
-              <a:t>12/05/2022</a:t>
+              <a:t>19/05/2022</a:t>
             </a:fld>
             <a:endParaRPr lang="en-GB"/>
           </a:p>
@@ -2372,7 +2453,7 @@
           <a:p>
             <a:fld id="{14C3C1EA-FC6E-46AC-8386-85E45AD60A19}" type="datetimeFigureOut">
               <a:rPr lang="en-GB" smtClean="0"/>
-              <a:t>12/05/2022</a:t>
+              <a:t>19/05/2022</a:t>
             </a:fld>
             <a:endParaRPr lang="en-GB"/>
           </a:p>
@@ -2572,7 +2653,7 @@
           <a:p>
             <a:fld id="{14C3C1EA-FC6E-46AC-8386-85E45AD60A19}" type="datetimeFigureOut">
               <a:rPr lang="en-GB" smtClean="0"/>
-              <a:t>12/05/2022</a:t>
+              <a:t>19/05/2022</a:t>
             </a:fld>
             <a:endParaRPr lang="en-GB"/>
           </a:p>
@@ -2848,7 +2929,7 @@
           <a:p>
             <a:fld id="{14C3C1EA-FC6E-46AC-8386-85E45AD60A19}" type="datetimeFigureOut">
               <a:rPr lang="en-GB" smtClean="0"/>
-              <a:t>12/05/2022</a:t>
+              <a:t>19/05/2022</a:t>
             </a:fld>
             <a:endParaRPr lang="en-GB"/>
           </a:p>
@@ -3116,7 +3197,7 @@
           <a:p>
             <a:fld id="{14C3C1EA-FC6E-46AC-8386-85E45AD60A19}" type="datetimeFigureOut">
               <a:rPr lang="en-GB" smtClean="0"/>
-              <a:t>12/05/2022</a:t>
+              <a:t>19/05/2022</a:t>
             </a:fld>
             <a:endParaRPr lang="en-GB"/>
           </a:p>
@@ -3531,7 +3612,7 @@
           <a:p>
             <a:fld id="{14C3C1EA-FC6E-46AC-8386-85E45AD60A19}" type="datetimeFigureOut">
               <a:rPr lang="en-GB" smtClean="0"/>
-              <a:t>12/05/2022</a:t>
+              <a:t>19/05/2022</a:t>
             </a:fld>
             <a:endParaRPr lang="en-GB"/>
           </a:p>
@@ -3673,7 +3754,7 @@
           <a:p>
             <a:fld id="{14C3C1EA-FC6E-46AC-8386-85E45AD60A19}" type="datetimeFigureOut">
               <a:rPr lang="en-GB" smtClean="0"/>
-              <a:t>12/05/2022</a:t>
+              <a:t>19/05/2022</a:t>
             </a:fld>
             <a:endParaRPr lang="en-GB"/>
           </a:p>
@@ -3786,7 +3867,7 @@
           <a:p>
             <a:fld id="{14C3C1EA-FC6E-46AC-8386-85E45AD60A19}" type="datetimeFigureOut">
               <a:rPr lang="en-GB" smtClean="0"/>
-              <a:t>12/05/2022</a:t>
+              <a:t>19/05/2022</a:t>
             </a:fld>
             <a:endParaRPr lang="en-GB"/>
           </a:p>
@@ -4099,7 +4180,7 @@
           <a:p>
             <a:fld id="{14C3C1EA-FC6E-46AC-8386-85E45AD60A19}" type="datetimeFigureOut">
               <a:rPr lang="en-GB" smtClean="0"/>
-              <a:t>12/05/2022</a:t>
+              <a:t>19/05/2022</a:t>
             </a:fld>
             <a:endParaRPr lang="en-GB"/>
           </a:p>
@@ -4388,7 +4469,7 @@
           <a:p>
             <a:fld id="{14C3C1EA-FC6E-46AC-8386-85E45AD60A19}" type="datetimeFigureOut">
               <a:rPr lang="en-GB" smtClean="0"/>
-              <a:t>12/05/2022</a:t>
+              <a:t>19/05/2022</a:t>
             </a:fld>
             <a:endParaRPr lang="en-GB"/>
           </a:p>
@@ -4631,7 +4712,7 @@
           <a:p>
             <a:fld id="{14C3C1EA-FC6E-46AC-8386-85E45AD60A19}" type="datetimeFigureOut">
               <a:rPr lang="en-GB" smtClean="0"/>
-              <a:t>12/05/2022</a:t>
+              <a:t>19/05/2022</a:t>
             </a:fld>
             <a:endParaRPr lang="en-GB"/>
           </a:p>
@@ -6208,7 +6289,7 @@
           <a:p>
             <a:r>
               <a:rPr lang="en-GB" dirty="0"/>
-              <a:t>Here we are trying to solve an environment, which is a fairly simple maze</a:t>
+              <a:t>Here we are trying to solve an environment, which is a fairly simple maze defined in a NumPy array</a:t>
             </a:r>
           </a:p>
           <a:p>
@@ -6385,21 +6466,13 @@
           <a:p>
             <a:r>
               <a:rPr lang="en-GB" dirty="0"/>
-              <a:t>We created the R Matrix in the </a:t>
-            </a:r>
-            <a:r>
-              <a:rPr lang="en-GB" dirty="0" err="1"/>
-              <a:t>r_matrix</a:t>
-            </a:r>
-            <a:r>
-              <a:rPr lang="en-GB" dirty="0"/>
-              <a:t> module, which takes the flattened 1D array of the map and then works out which cells are adjacent to each other. This matrix is used as the basis for working out available actions that the agent can take. This list is returned to the agent to make its choice from</a:t>
-            </a:r>
-          </a:p>
-          <a:p>
-            <a:r>
-              <a:rPr lang="en-GB" dirty="0"/>
-              <a:t>The Reward matrix is filled with our reward values from the map’s key. Once the agent has made its choice the reward is returned to it</a:t>
+              <a:t>Every position on the map is a potential state and action. We flattened the map array, then using key of the cells we determined which ones were passable from one cell to another. So that each state could have up to four different actions.</a:t>
+            </a:r>
+          </a:p>
+          <a:p>
+            <a:r>
+              <a:rPr lang="en-GB" dirty="0"/>
+              <a:t>The reward function used the same mapping, but filling in the rewards that each action would give</a:t>
             </a:r>
           </a:p>
         </p:txBody>
@@ -6769,8 +6842,44 @@
         </p:blipFill>
         <p:spPr>
           <a:xfrm>
-            <a:off x="2855495" y="4822416"/>
+            <a:off x="0" y="4822416"/>
             <a:ext cx="7026442" cy="2035584"/>
+          </a:xfrm>
+          <a:prstGeom prst="rect">
+            <a:avLst/>
+          </a:prstGeom>
+        </p:spPr>
+      </p:pic>
+      <p:pic>
+        <p:nvPicPr>
+          <p:cNvPr id="8" name="Picture 7" descr="Chart, scatter chart&#10;&#10;Description automatically generated">
+            <a:extLst>
+              <a:ext uri="{FF2B5EF4-FFF2-40B4-BE49-F238E27FC236}">
+                <a16:creationId xmlns:a16="http://schemas.microsoft.com/office/drawing/2014/main" id="{B9FFDC67-C3ED-18E1-A3D9-8CAFA4EB0318}"/>
+              </a:ext>
+            </a:extLst>
+          </p:cNvPr>
+          <p:cNvPicPr>
+            <a:picLocks noChangeAspect="1"/>
+          </p:cNvPicPr>
+          <p:nvPr/>
+        </p:nvPicPr>
+        <p:blipFill>
+          <a:blip r:embed="rId4">
+            <a:extLst>
+              <a:ext uri="{28A0092B-C50C-407E-A947-70E740481C1C}">
+                <a14:useLocalDpi xmlns:a14="http://schemas.microsoft.com/office/drawing/2010/main" val="0"/>
+              </a:ext>
+            </a:extLst>
+          </a:blip>
+          <a:stretch>
+            <a:fillRect/>
+          </a:stretch>
+        </p:blipFill>
+        <p:spPr>
+          <a:xfrm>
+            <a:off x="8557846" y="4337539"/>
+            <a:ext cx="3634154" cy="2520461"/>
           </a:xfrm>
           <a:prstGeom prst="rect">
             <a:avLst/>
@@ -6894,6 +7003,78 @@
           <a:xfrm>
             <a:off x="4162813" y="3429000"/>
             <a:ext cx="3866373" cy="3429000"/>
+          </a:xfrm>
+          <a:prstGeom prst="rect">
+            <a:avLst/>
+          </a:prstGeom>
+        </p:spPr>
+      </p:pic>
+      <p:pic>
+        <p:nvPicPr>
+          <p:cNvPr id="6" name="Picture 5" descr="Chart, scatter chart&#10;&#10;Description automatically generated">
+            <a:extLst>
+              <a:ext uri="{FF2B5EF4-FFF2-40B4-BE49-F238E27FC236}">
+                <a16:creationId xmlns:a16="http://schemas.microsoft.com/office/drawing/2014/main" id="{B15FFA96-301B-4F2F-4C36-78D97FBA8843}"/>
+              </a:ext>
+            </a:extLst>
+          </p:cNvPr>
+          <p:cNvPicPr>
+            <a:picLocks noChangeAspect="1"/>
+          </p:cNvPicPr>
+          <p:nvPr/>
+        </p:nvPicPr>
+        <p:blipFill>
+          <a:blip r:embed="rId4">
+            <a:extLst>
+              <a:ext uri="{28A0092B-C50C-407E-A947-70E740481C1C}">
+                <a14:useLocalDpi xmlns:a14="http://schemas.microsoft.com/office/drawing/2010/main" val="0"/>
+              </a:ext>
+            </a:extLst>
+          </a:blip>
+          <a:stretch>
+            <a:fillRect/>
+          </a:stretch>
+        </p:blipFill>
+        <p:spPr>
+          <a:xfrm>
+            <a:off x="0" y="4019154"/>
+            <a:ext cx="3762900" cy="2838846"/>
+          </a:xfrm>
+          <a:prstGeom prst="rect">
+            <a:avLst/>
+          </a:prstGeom>
+        </p:spPr>
+      </p:pic>
+      <p:pic>
+        <p:nvPicPr>
+          <p:cNvPr id="10" name="Picture 9" descr="Chart, scatter chart&#10;&#10;Description automatically generated">
+            <a:extLst>
+              <a:ext uri="{FF2B5EF4-FFF2-40B4-BE49-F238E27FC236}">
+                <a16:creationId xmlns:a16="http://schemas.microsoft.com/office/drawing/2014/main" id="{FB25343C-CB35-0C2A-8095-14D29D097AED}"/>
+              </a:ext>
+            </a:extLst>
+          </p:cNvPr>
+          <p:cNvPicPr>
+            <a:picLocks noChangeAspect="1"/>
+          </p:cNvPicPr>
+          <p:nvPr/>
+        </p:nvPicPr>
+        <p:blipFill>
+          <a:blip r:embed="rId5">
+            <a:extLst>
+              <a:ext uri="{28A0092B-C50C-407E-A947-70E740481C1C}">
+                <a14:useLocalDpi xmlns:a14="http://schemas.microsoft.com/office/drawing/2010/main" val="0"/>
+              </a:ext>
+            </a:extLst>
+          </a:blip>
+          <a:stretch>
+            <a:fillRect/>
+          </a:stretch>
+        </p:blipFill>
+        <p:spPr>
+          <a:xfrm>
+            <a:off x="9372206" y="5009892"/>
+            <a:ext cx="2819794" cy="1848108"/>
           </a:xfrm>
           <a:prstGeom prst="rect">
             <a:avLst/>

--- a/presentation.pptx
+++ b/presentation.pptx
@@ -7073,8 +7073,8 @@
         </p:blipFill>
         <p:spPr>
           <a:xfrm>
-            <a:off x="9372206" y="5009892"/>
-            <a:ext cx="2819794" cy="1848108"/>
+            <a:off x="8241030" y="4268513"/>
+            <a:ext cx="3950970" cy="2589487"/>
           </a:xfrm>
           <a:prstGeom prst="rect">
             <a:avLst/>
